--- a/Domain Name System (DNS).pptx
+++ b/Domain Name System (DNS).pptx
@@ -7,6 +7,8 @@
   <p:sldIdLst>
     <p:sldId id="256" r:id="rId2"/>
     <p:sldId id="257" r:id="rId3"/>
+    <p:sldId id="258" r:id="rId4"/>
+    <p:sldId id="259" r:id="rId5"/>
   </p:sldIdLst>
   <p:sldSz cx="12192000" cy="6858000"/>
   <p:notesSz cx="6858000" cy="9144000"/>
@@ -105,6 +107,11 @@
       </a:defRPr>
     </a:lvl9pPr>
   </p:defaultTextStyle>
+  <p:extLst>
+    <p:ext uri="{EFAFB233-063F-42B5-8137-9DF3F51BA10A}">
+      <p15:sldGuideLst xmlns:p15="http://schemas.microsoft.com/office/powerpoint/2012/main"/>
+    </p:ext>
+  </p:extLst>
 </p:presentation>
 </file>
 
@@ -6136,22 +6143,20 @@
           <a:lstStyle/>
           <a:p>
             <a:r>
-              <a:rPr lang="en-US" sz="2200" smtClean="0">
+              <a:rPr lang="en-US" sz="4000" smtClean="0">
                 <a:latin typeface="Times New Roman" panose="02020603050405020304" pitchFamily="18" charset="0"/>
                 <a:cs typeface="Times New Roman" panose="02020603050405020304" pitchFamily="18" charset="0"/>
               </a:rPr>
-              <a:t>Dat Nguyen</a:t>
-            </a:r>
-          </a:p>
-          <a:p>
-            <a:r>
-              <a:rPr lang="en-US" sz="2200" smtClean="0">
+              <a:t>June </a:t>
+            </a:r>
+            <a:r>
+              <a:rPr lang="en-US" sz="4000" smtClean="0">
                 <a:latin typeface="Times New Roman" panose="02020603050405020304" pitchFamily="18" charset="0"/>
                 <a:cs typeface="Times New Roman" panose="02020603050405020304" pitchFamily="18" charset="0"/>
               </a:rPr>
-              <a:t>June 2015</a:t>
-            </a:r>
-            <a:endParaRPr lang="en-US" sz="2200">
+              <a:t>2015</a:t>
+            </a:r>
+            <a:endParaRPr lang="en-US" sz="4000">
               <a:latin typeface="Times New Roman" panose="02020603050405020304" pitchFamily="18" charset="0"/>
               <a:cs typeface="Times New Roman" panose="02020603050405020304" pitchFamily="18" charset="0"/>
             </a:endParaRPr>
@@ -6198,16 +6203,27 @@
             <p:ph type="title"/>
           </p:nvPr>
         </p:nvSpPr>
-        <p:spPr/>
+        <p:spPr>
+          <a:xfrm>
+            <a:off x="1484310" y="513523"/>
+            <a:ext cx="10018713" cy="1408042"/>
+          </a:xfrm>
+        </p:spPr>
         <p:txBody>
           <a:bodyPr/>
           <a:lstStyle/>
           <a:p>
             <a:r>
-              <a:rPr lang="en-US" smtClean="0"/>
+              <a:rPr lang="en-US" b="1" smtClean="0">
+                <a:latin typeface="Times New Roman" panose="02020603050405020304" pitchFamily="18" charset="0"/>
+                <a:cs typeface="Times New Roman" panose="02020603050405020304" pitchFamily="18" charset="0"/>
+              </a:rPr>
               <a:t>Agenda</a:t>
             </a:r>
-            <a:endParaRPr lang="en-US"/>
+            <a:endParaRPr lang="en-US" b="1">
+              <a:latin typeface="Times New Roman" panose="02020603050405020304" pitchFamily="18" charset="0"/>
+              <a:cs typeface="Times New Roman" panose="02020603050405020304" pitchFamily="18" charset="0"/>
+            </a:endParaRPr>
           </a:p>
         </p:txBody>
       </p:sp>
@@ -6221,12 +6237,142 @@
             <p:ph idx="1"/>
           </p:nvPr>
         </p:nvSpPr>
-        <p:spPr/>
-        <p:txBody>
-          <a:bodyPr/>
+        <p:spPr>
+          <a:xfrm>
+            <a:off x="2438401" y="1921565"/>
+            <a:ext cx="8706678" cy="3869635"/>
+          </a:xfrm>
+        </p:spPr>
+        <p:txBody>
+          <a:bodyPr>
+            <a:normAutofit lnSpcReduction="10000"/>
+          </a:bodyPr>
           <a:lstStyle/>
           <a:p>
-            <a:endParaRPr lang="en-US"/>
+            <a:pPr marL="400050" indent="-342900">
+              <a:buNone/>
+              <a:defRPr/>
+            </a:pPr>
+            <a:r>
+              <a:rPr lang="en-CA" b="1">
+                <a:latin typeface="Times New Roman" panose="02020603050405020304" pitchFamily="18" charset="0"/>
+                <a:cs typeface="Times New Roman" panose="02020603050405020304" pitchFamily="18" charset="0"/>
+              </a:rPr>
+              <a:t>I</a:t>
+            </a:r>
+            <a:r>
+              <a:rPr lang="en-CA" b="1">
+                <a:latin typeface="Times New Roman" panose="02020603050405020304" pitchFamily="18" charset="0"/>
+                <a:cs typeface="Times New Roman" panose="02020603050405020304" pitchFamily="18" charset="0"/>
+              </a:rPr>
+              <a:t>. </a:t>
+            </a:r>
+            <a:r>
+              <a:rPr lang="en-CA" b="1" smtClean="0">
+                <a:latin typeface="Times New Roman" panose="02020603050405020304" pitchFamily="18" charset="0"/>
+                <a:cs typeface="Times New Roman" panose="02020603050405020304" pitchFamily="18" charset="0"/>
+              </a:rPr>
+              <a:t>Introduction</a:t>
+            </a:r>
+            <a:endParaRPr lang="en-CA" sz="1800" b="1">
+              <a:latin typeface="Times New Roman" panose="02020603050405020304" pitchFamily="18" charset="0"/>
+              <a:cs typeface="Times New Roman" panose="02020603050405020304" pitchFamily="18" charset="0"/>
+            </a:endParaRPr>
+          </a:p>
+          <a:p>
+            <a:pPr marL="342900">
+              <a:buNone/>
+              <a:defRPr/>
+            </a:pPr>
+            <a:r>
+              <a:rPr lang="en-US" b="1">
+                <a:latin typeface="Times New Roman" panose="02020603050405020304" pitchFamily="18" charset="0"/>
+                <a:cs typeface="Times New Roman" panose="02020603050405020304" pitchFamily="18" charset="0"/>
+              </a:rPr>
+              <a:t>II.DNS in protocol</a:t>
+            </a:r>
+          </a:p>
+          <a:p>
+            <a:pPr marL="342900">
+              <a:buNone/>
+              <a:defRPr/>
+            </a:pPr>
+            <a:r>
+              <a:rPr lang="en-US" b="1">
+                <a:latin typeface="Times New Roman" panose="02020603050405020304" pitchFamily="18" charset="0"/>
+                <a:cs typeface="Times New Roman" panose="02020603050405020304" pitchFamily="18" charset="0"/>
+              </a:rPr>
+              <a:t>III. DNS in configuration</a:t>
+            </a:r>
+          </a:p>
+          <a:p>
+            <a:pPr marL="342900">
+              <a:buNone/>
+              <a:defRPr/>
+            </a:pPr>
+            <a:r>
+              <a:rPr lang="en-US" b="1">
+                <a:latin typeface="Times New Roman" panose="02020603050405020304" pitchFamily="18" charset="0"/>
+                <a:cs typeface="Times New Roman" panose="02020603050405020304" pitchFamily="18" charset="0"/>
+              </a:rPr>
+              <a:t>IV. Advanced features</a:t>
+            </a:r>
+          </a:p>
+          <a:p>
+            <a:pPr marL="342900">
+              <a:buNone/>
+              <a:defRPr/>
+            </a:pPr>
+            <a:r>
+              <a:rPr lang="en-US" b="1">
+                <a:latin typeface="Times New Roman" panose="02020603050405020304" pitchFamily="18" charset="0"/>
+                <a:cs typeface="Times New Roman" panose="02020603050405020304" pitchFamily="18" charset="0"/>
+              </a:rPr>
+              <a:t>V. Tools</a:t>
+            </a:r>
+          </a:p>
+          <a:p>
+            <a:pPr marL="342900">
+              <a:buNone/>
+              <a:defRPr/>
+            </a:pPr>
+            <a:r>
+              <a:rPr lang="en-US" b="1">
+                <a:latin typeface="Times New Roman" panose="02020603050405020304" pitchFamily="18" charset="0"/>
+                <a:cs typeface="Times New Roman" panose="02020603050405020304" pitchFamily="18" charset="0"/>
+              </a:rPr>
+              <a:t>VI. Demo</a:t>
+            </a:r>
+          </a:p>
+          <a:p>
+            <a:pPr marL="342900">
+              <a:buNone/>
+              <a:defRPr/>
+            </a:pPr>
+            <a:r>
+              <a:rPr lang="en-US" b="1">
+                <a:latin typeface="Times New Roman" panose="02020603050405020304" pitchFamily="18" charset="0"/>
+                <a:cs typeface="Times New Roman" panose="02020603050405020304" pitchFamily="18" charset="0"/>
+              </a:rPr>
+              <a:t>VII. ALU DNS 6.0</a:t>
+            </a:r>
+          </a:p>
+          <a:p>
+            <a:pPr marL="342900">
+              <a:buNone/>
+              <a:defRPr/>
+            </a:pPr>
+            <a:r>
+              <a:rPr lang="en-US" b="1">
+                <a:latin typeface="Times New Roman" panose="02020603050405020304" pitchFamily="18" charset="0"/>
+                <a:cs typeface="Times New Roman" panose="02020603050405020304" pitchFamily="18" charset="0"/>
+              </a:rPr>
+              <a:t>VIII. References</a:t>
+            </a:r>
+            <a:endParaRPr lang="en-US" b="1" dirty="0">
+              <a:latin typeface="Times New Roman" panose="02020603050405020304" pitchFamily="18" charset="0"/>
+              <a:cs typeface="Times New Roman" panose="02020603050405020304" pitchFamily="18" charset="0"/>
+            </a:endParaRPr>
           </a:p>
         </p:txBody>
       </p:sp>
@@ -6234,6 +6380,304 @@
     <p:extLst>
       <p:ext uri="{BB962C8B-B14F-4D97-AF65-F5344CB8AC3E}">
         <p14:creationId xmlns:p14="http://schemas.microsoft.com/office/powerpoint/2010/main" val="1442045574"/>
+      </p:ext>
+    </p:extLst>
+  </p:cSld>
+  <p:clrMapOvr>
+    <a:masterClrMapping/>
+  </p:clrMapOvr>
+</p:sld>
+</file>
+
+<file path=ppt/slides/slide3.xml><?xml version="1.0" encoding="utf-8"?>
+<p:sld xmlns:a="http://schemas.openxmlformats.org/drawingml/2006/main" xmlns:r="http://schemas.openxmlformats.org/officeDocument/2006/relationships" xmlns:p="http://schemas.openxmlformats.org/presentationml/2006/main">
+  <p:cSld>
+    <p:spTree>
+      <p:nvGrpSpPr>
+        <p:cNvPr id="1" name=""/>
+        <p:cNvGrpSpPr/>
+        <p:nvPr/>
+      </p:nvGrpSpPr>
+      <p:grpSpPr>
+        <a:xfrm>
+          <a:off x="0" y="0"/>
+          <a:ext cx="0" cy="0"/>
+          <a:chOff x="0" y="0"/>
+          <a:chExt cx="0" cy="0"/>
+        </a:xfrm>
+      </p:grpSpPr>
+      <p:sp>
+        <p:nvSpPr>
+          <p:cNvPr id="2" name="Title 1"/>
+          <p:cNvSpPr>
+            <a:spLocks noGrp="1"/>
+          </p:cNvSpPr>
+          <p:nvPr>
+            <p:ph type="title"/>
+          </p:nvPr>
+        </p:nvSpPr>
+        <p:spPr>
+          <a:xfrm>
+            <a:off x="1987826" y="685800"/>
+            <a:ext cx="9515198" cy="718930"/>
+          </a:xfrm>
+        </p:spPr>
+        <p:txBody>
+          <a:bodyPr>
+            <a:normAutofit/>
+          </a:bodyPr>
+          <a:lstStyle/>
+          <a:p>
+            <a:pPr lvl="1" algn="ctr" defTabSz="457200" rtl="0">
+              <a:spcBef>
+                <a:spcPct val="0"/>
+              </a:spcBef>
+            </a:pPr>
+            <a:r>
+              <a:rPr lang="en-US" sz="4000" b="1" smtClean="0">
+                <a:latin typeface="Times New Roman" panose="02020603050405020304" pitchFamily="18" charset="0"/>
+                <a:cs typeface="Times New Roman" panose="02020603050405020304" pitchFamily="18" charset="0"/>
+              </a:rPr>
+              <a:t>Introduction</a:t>
+            </a:r>
+            <a:endParaRPr lang="en-US" sz="4000" b="1">
+              <a:latin typeface="Times New Roman" panose="02020603050405020304" pitchFamily="18" charset="0"/>
+              <a:cs typeface="Times New Roman" panose="02020603050405020304" pitchFamily="18" charset="0"/>
+            </a:endParaRPr>
+          </a:p>
+        </p:txBody>
+      </p:sp>
+      <p:sp>
+        <p:nvSpPr>
+          <p:cNvPr id="4" name="Rectangle 6"/>
+          <p:cNvSpPr>
+            <a:spLocks noGrp="1" noChangeArrowheads="1"/>
+          </p:cNvSpPr>
+          <p:nvPr>
+            <p:ph idx="1"/>
+          </p:nvPr>
+        </p:nvSpPr>
+        <p:spPr>
+          <a:xfrm>
+            <a:off x="1987826" y="1577009"/>
+            <a:ext cx="9515197" cy="4572000"/>
+          </a:xfrm>
+          <a:noFill/>
+        </p:spPr>
+        <p:txBody>
+          <a:bodyPr>
+            <a:normAutofit/>
+          </a:bodyPr>
+          <a:lstStyle/>
+          <a:p>
+            <a:pPr marL="703263" lvl="1" indent="-533400"/>
+            <a:r>
+              <a:rPr lang="en-US" sz="2400" smtClean="0">
+                <a:latin typeface="Times New Roman" panose="02020603050405020304" pitchFamily="18" charset="0"/>
+                <a:cs typeface="Times New Roman" panose="02020603050405020304" pitchFamily="18" charset="0"/>
+              </a:rPr>
+              <a:t>Using a host name is preferred when communicating over a network. Easily remembered than an IP address</a:t>
+            </a:r>
+          </a:p>
+          <a:p>
+            <a:pPr marL="703263" lvl="1" indent="-533400"/>
+            <a:r>
+              <a:rPr lang="en-US" sz="2400" smtClean="0">
+                <a:latin typeface="Times New Roman" panose="02020603050405020304" pitchFamily="18" charset="0"/>
+                <a:cs typeface="Times New Roman" panose="02020603050405020304" pitchFamily="18" charset="0"/>
+              </a:rPr>
+              <a:t>Before 1982, HOSTS.TXT is used to map names to numerical addresses and each computer retrieved this file a computer at SRI</a:t>
+            </a:r>
+          </a:p>
+          <a:p>
+            <a:pPr marL="703263" lvl="1" indent="-533400"/>
+            <a:r>
+              <a:rPr lang="en-US" sz="2400" smtClean="0">
+                <a:latin typeface="Times New Roman" panose="02020603050405020304" pitchFamily="18" charset="0"/>
+                <a:cs typeface="Times New Roman" panose="02020603050405020304" pitchFamily="18" charset="0"/>
+              </a:rPr>
+              <a:t>The rapid growth of the network made a centrally maintained, hand-crafted HOSTS.TXT unsustainable</a:t>
+            </a:r>
+          </a:p>
+          <a:p>
+            <a:pPr marL="703263" lvl="1" indent="-533400"/>
+            <a:r>
+              <a:rPr lang="en-US" sz="2400" smtClean="0">
+                <a:latin typeface="Times New Roman" panose="02020603050405020304" pitchFamily="18" charset="0"/>
+                <a:cs typeface="Times New Roman" panose="02020603050405020304" pitchFamily="18" charset="0"/>
+              </a:rPr>
+              <a:t>A more scalable system is needed so Domain Name System (DNS) was invented in 1983 </a:t>
+            </a:r>
+          </a:p>
+        </p:txBody>
+      </p:sp>
+    </p:spTree>
+    <p:extLst>
+      <p:ext uri="{BB962C8B-B14F-4D97-AF65-F5344CB8AC3E}">
+        <p14:creationId xmlns:p14="http://schemas.microsoft.com/office/powerpoint/2010/main" val="1737553273"/>
+      </p:ext>
+    </p:extLst>
+  </p:cSld>
+  <p:clrMapOvr>
+    <a:masterClrMapping/>
+  </p:clrMapOvr>
+</p:sld>
+</file>
+
+<file path=ppt/slides/slide4.xml><?xml version="1.0" encoding="utf-8"?>
+<p:sld xmlns:a="http://schemas.openxmlformats.org/drawingml/2006/main" xmlns:r="http://schemas.openxmlformats.org/officeDocument/2006/relationships" xmlns:p="http://schemas.openxmlformats.org/presentationml/2006/main">
+  <p:cSld>
+    <p:spTree>
+      <p:nvGrpSpPr>
+        <p:cNvPr id="1" name=""/>
+        <p:cNvGrpSpPr/>
+        <p:nvPr/>
+      </p:nvGrpSpPr>
+      <p:grpSpPr>
+        <a:xfrm>
+          <a:off x="0" y="0"/>
+          <a:ext cx="0" cy="0"/>
+          <a:chOff x="0" y="0"/>
+          <a:chExt cx="0" cy="0"/>
+        </a:xfrm>
+      </p:grpSpPr>
+      <p:sp>
+        <p:nvSpPr>
+          <p:cNvPr id="3" name="Content Placeholder 2"/>
+          <p:cNvSpPr>
+            <a:spLocks noGrp="1"/>
+          </p:cNvSpPr>
+          <p:nvPr>
+            <p:ph idx="1"/>
+          </p:nvPr>
+        </p:nvSpPr>
+        <p:spPr>
+          <a:xfrm>
+            <a:off x="1987826" y="1206499"/>
+            <a:ext cx="9422432" cy="3124201"/>
+          </a:xfrm>
+        </p:spPr>
+        <p:txBody>
+          <a:bodyPr/>
+          <a:lstStyle/>
+          <a:p>
+            <a:r>
+              <a:rPr lang="en-US"/>
+              <a:t>DNS is a hierarchical distributed naming system for computers, services, or any resource connected to the Internet or a </a:t>
+            </a:r>
+            <a:r>
+              <a:rPr lang="en-US"/>
+              <a:t>private </a:t>
+            </a:r>
+            <a:r>
+              <a:rPr lang="en-US" smtClean="0"/>
+              <a:t>network</a:t>
+            </a:r>
+          </a:p>
+          <a:p>
+            <a:endParaRPr lang="en-US"/>
+          </a:p>
+        </p:txBody>
+      </p:sp>
+      <p:sp>
+        <p:nvSpPr>
+          <p:cNvPr id="4" name="Title 1"/>
+          <p:cNvSpPr>
+            <a:spLocks noGrp="1"/>
+          </p:cNvSpPr>
+          <p:nvPr>
+            <p:ph type="title"/>
+          </p:nvPr>
+        </p:nvSpPr>
+        <p:spPr>
+          <a:xfrm>
+            <a:off x="1987826" y="685800"/>
+            <a:ext cx="9515198" cy="718930"/>
+          </a:xfrm>
+        </p:spPr>
+        <p:txBody>
+          <a:bodyPr>
+            <a:normAutofit/>
+          </a:bodyPr>
+          <a:lstStyle/>
+          <a:p>
+            <a:pPr lvl="1" algn="ctr" defTabSz="457200" rtl="0">
+              <a:spcBef>
+                <a:spcPct val="0"/>
+              </a:spcBef>
+            </a:pPr>
+            <a:r>
+              <a:rPr lang="en-US" sz="4000" b="1" smtClean="0">
+                <a:latin typeface="Times New Roman" panose="02020603050405020304" pitchFamily="18" charset="0"/>
+                <a:cs typeface="Times New Roman" panose="02020603050405020304" pitchFamily="18" charset="0"/>
+              </a:rPr>
+              <a:t>Introduction</a:t>
+            </a:r>
+            <a:endParaRPr lang="en-US" sz="4000" b="1">
+              <a:latin typeface="Times New Roman" panose="02020603050405020304" pitchFamily="18" charset="0"/>
+              <a:cs typeface="Times New Roman" panose="02020603050405020304" pitchFamily="18" charset="0"/>
+            </a:endParaRPr>
+          </a:p>
+        </p:txBody>
+      </p:sp>
+      <p:pic>
+        <p:nvPicPr>
+          <p:cNvPr id="5" name="Picture 4" descr="domain-name-space.gif"/>
+          <p:cNvPicPr>
+            <a:picLocks noChangeAspect="1"/>
+          </p:cNvPicPr>
+          <p:nvPr/>
+        </p:nvPicPr>
+        <p:blipFill>
+          <a:blip r:embed="rId2">
+            <a:extLst>
+              <a:ext uri="{28A0092B-C50C-407E-A947-70E740481C1C}">
+                <a14:useLocalDpi xmlns:a14="http://schemas.microsoft.com/office/drawing/2010/main" val="0"/>
+              </a:ext>
+            </a:extLst>
+          </a:blip>
+          <a:srcRect/>
+          <a:stretch>
+            <a:fillRect/>
+          </a:stretch>
+        </p:blipFill>
+        <p:spPr bwMode="auto">
+          <a:xfrm>
+            <a:off x="4310063" y="2647950"/>
+            <a:ext cx="5381625" cy="4210050"/>
+          </a:xfrm>
+          <a:prstGeom prst="rect">
+            <a:avLst/>
+          </a:prstGeom>
+          <a:noFill/>
+          <a:ln>
+            <a:noFill/>
+          </a:ln>
+          <a:extLst>
+            <a:ext uri="{909E8E84-426E-40DD-AFC4-6F175D3DCCD1}">
+              <a14:hiddenFill xmlns:a14="http://schemas.microsoft.com/office/drawing/2010/main">
+                <a:solidFill>
+                  <a:srgbClr val="FFFFFF"/>
+                </a:solidFill>
+              </a14:hiddenFill>
+            </a:ext>
+            <a:ext uri="{91240B29-F687-4F45-9708-019B960494DF}">
+              <a14:hiddenLine xmlns:a14="http://schemas.microsoft.com/office/drawing/2010/main" w="9525">
+                <a:solidFill>
+                  <a:srgbClr val="000000"/>
+                </a:solidFill>
+                <a:miter lim="800000"/>
+                <a:headEnd/>
+                <a:tailEnd/>
+              </a14:hiddenLine>
+            </a:ext>
+          </a:extLst>
+        </p:spPr>
+      </p:pic>
+    </p:spTree>
+    <p:extLst>
+      <p:ext uri="{BB962C8B-B14F-4D97-AF65-F5344CB8AC3E}">
+        <p14:creationId xmlns:p14="http://schemas.microsoft.com/office/powerpoint/2010/main" val="2957419370"/>
       </p:ext>
     </p:extLst>
   </p:cSld>

--- a/Domain Name System (DNS).pptx
+++ b/Domain Name System (DNS).pptx
@@ -6306,11 +6306,7 @@
             <a:pPr lvl="1"/>
             <a:r>
               <a:rPr lang="en-CA"/>
-              <a:t>Important </a:t>
-            </a:r>
-            <a:r>
-              <a:rPr lang="en-CA"/>
-              <a:t>DNS </a:t>
+              <a:t>Important DNS </a:t>
             </a:r>
             <a:r>
               <a:rPr lang="en-CA" smtClean="0"/>
@@ -6542,14 +6538,7 @@
                 <a:latin typeface="Times New Roman" panose="02020603050405020304" pitchFamily="18" charset="0"/>
                 <a:cs typeface="Times New Roman" panose="02020603050405020304" pitchFamily="18" charset="0"/>
               </a:rPr>
-              <a:t>Primary </a:t>
-            </a:r>
-            <a:r>
-              <a:rPr lang="en-US" sz="2400">
-                <a:latin typeface="Times New Roman" panose="02020603050405020304" pitchFamily="18" charset="0"/>
-                <a:cs typeface="Times New Roman" panose="02020603050405020304" pitchFamily="18" charset="0"/>
-              </a:rPr>
-              <a:t>name </a:t>
+              <a:t>Primary name </a:t>
             </a:r>
             <a:r>
               <a:rPr lang="en-US" sz="2400" smtClean="0">
@@ -6601,14 +6590,7 @@
                 <a:latin typeface="Times New Roman" panose="02020603050405020304" pitchFamily="18" charset="0"/>
                 <a:cs typeface="Times New Roman" panose="02020603050405020304" pitchFamily="18" charset="0"/>
               </a:rPr>
-              <a:t>the DNS server, backup, DATABASE of the Primary again. Not change the DNS DATABASE. In case the Primary name server is fail, the Secondary is used for </a:t>
-            </a:r>
-            <a:r>
-              <a:rPr lang="en-US" sz="2400">
-                <a:latin typeface="Times New Roman" panose="02020603050405020304" pitchFamily="18" charset="0"/>
-                <a:cs typeface="Times New Roman" panose="02020603050405020304" pitchFamily="18" charset="0"/>
-              </a:rPr>
-              <a:t>name </a:t>
+              <a:t>the DNS server, backup, DATABASE of the Primary again. Not change the DNS DATABASE. In case the Primary name server is fail, the Secondary is used for name </a:t>
             </a:r>
             <a:r>
               <a:rPr lang="en-US" sz="2400" smtClean="0">
@@ -6775,11 +6757,7 @@
             <a:pPr lvl="1"/>
             <a:r>
               <a:rPr lang="en-CA"/>
-              <a:t>Important </a:t>
-            </a:r>
-            <a:r>
-              <a:rPr lang="en-CA"/>
-              <a:t>DNS </a:t>
+              <a:t>Important DNS </a:t>
             </a:r>
             <a:r>
               <a:rPr lang="en-CA" smtClean="0"/>
@@ -7097,11 +7075,7 @@
             <a:pPr lvl="1"/>
             <a:r>
               <a:rPr lang="en-CA"/>
-              <a:t>Important </a:t>
-            </a:r>
-            <a:r>
-              <a:rPr lang="en-CA"/>
-              <a:t>DNS </a:t>
+              <a:t>Important DNS </a:t>
             </a:r>
             <a:r>
               <a:rPr lang="en-CA" smtClean="0"/>
@@ -7161,14 +7135,7 @@
                 <a:latin typeface="Times New Roman" panose="02020603050405020304" pitchFamily="18" charset="0"/>
                 <a:cs typeface="Times New Roman" panose="02020603050405020304" pitchFamily="18" charset="0"/>
               </a:rPr>
-              <a:t>Qualified Domain Name </a:t>
-            </a:r>
-            <a:r>
-              <a:rPr lang="en-CA" sz="2400" b="1">
-                <a:latin typeface="Times New Roman" panose="02020603050405020304" pitchFamily="18" charset="0"/>
-                <a:cs typeface="Times New Roman" panose="02020603050405020304" pitchFamily="18" charset="0"/>
-              </a:rPr>
-              <a:t>(</a:t>
+              <a:t>Qualified Domain Name (</a:t>
             </a:r>
             <a:r>
               <a:rPr lang="en-CA" sz="2400" b="1" smtClean="0">
@@ -7215,14 +7182,7 @@
                 <a:latin typeface="Times New Roman" panose="02020603050405020304" pitchFamily="18" charset="0"/>
                 <a:cs typeface="Times New Roman" panose="02020603050405020304" pitchFamily="18" charset="0"/>
               </a:rPr>
-              <a:t>A fully qualified </a:t>
-            </a:r>
-            <a:r>
-              <a:rPr lang="en-US" sz="2400">
-                <a:latin typeface="Times New Roman" panose="02020603050405020304" pitchFamily="18" charset="0"/>
-                <a:cs typeface="Times New Roman" panose="02020603050405020304" pitchFamily="18" charset="0"/>
-              </a:rPr>
-              <a:t>domain </a:t>
+              <a:t>A fully qualified domain </a:t>
             </a:r>
             <a:r>
               <a:rPr lang="en-US" sz="2400" smtClean="0">
@@ -7236,14 +7196,7 @@
                 <a:latin typeface="Times New Roman" panose="02020603050405020304" pitchFamily="18" charset="0"/>
                 <a:cs typeface="Times New Roman" panose="02020603050405020304" pitchFamily="18" charset="0"/>
               </a:rPr>
-              <a:t>) is a DNS domain name that has been constructed from its location relative to the root </a:t>
-            </a:r>
-            <a:r>
-              <a:rPr lang="en-US" sz="2400">
-                <a:latin typeface="Times New Roman" panose="02020603050405020304" pitchFamily="18" charset="0"/>
-                <a:cs typeface="Times New Roman" panose="02020603050405020304" pitchFamily="18" charset="0"/>
-              </a:rPr>
-              <a:t>of </a:t>
+              <a:t>) is a DNS domain name that has been constructed from its location relative to the root of </a:t>
             </a:r>
             <a:r>
               <a:rPr lang="en-US" sz="2400" smtClean="0">
@@ -7257,14 +7210,7 @@
                 <a:latin typeface="Times New Roman" panose="02020603050405020304" pitchFamily="18" charset="0"/>
                 <a:cs typeface="Times New Roman" panose="02020603050405020304" pitchFamily="18" charset="0"/>
               </a:rPr>
-              <a:t>(known as the root domain</a:t>
-            </a:r>
-            <a:r>
-              <a:rPr lang="en-US" sz="2400">
-                <a:latin typeface="Times New Roman" panose="02020603050405020304" pitchFamily="18" charset="0"/>
-                <a:cs typeface="Times New Roman" panose="02020603050405020304" pitchFamily="18" charset="0"/>
-              </a:rPr>
-              <a:t>). </a:t>
+              <a:t>(known as the root domain). </a:t>
             </a:r>
             <a:endParaRPr lang="en-US" sz="2400" smtClean="0">
               <a:latin typeface="Times New Roman" panose="02020603050405020304" pitchFamily="18" charset="0"/>
@@ -7733,11 +7679,7 @@
             <a:pPr lvl="1"/>
             <a:r>
               <a:rPr lang="en-CA"/>
-              <a:t>Important </a:t>
-            </a:r>
-            <a:r>
-              <a:rPr lang="en-CA"/>
-              <a:t>DNS </a:t>
+              <a:t>Important DNS </a:t>
             </a:r>
             <a:r>
               <a:rPr lang="en-CA" smtClean="0"/>
@@ -12483,11 +12425,7 @@
             <a:pPr lvl="1"/>
             <a:r>
               <a:rPr lang="en-CA"/>
-              <a:t>Important </a:t>
-            </a:r>
-            <a:r>
-              <a:rPr lang="en-CA"/>
-              <a:t>DNS </a:t>
+              <a:t>Important DNS </a:t>
             </a:r>
             <a:r>
               <a:rPr lang="en-CA" smtClean="0"/>
@@ -12751,7 +12689,7 @@
                 <a:cs typeface="Arial" panose="020B0604020202020204" pitchFamily="34" charset="0"/>
               </a:rPr>
               <a:pPr eaLnBrk="1" hangingPunct="1"/>
-              <a:t>11</a:t>
+              <a:t>14</a:t>
             </a:fld>
             <a:endParaRPr lang="en-US" altLang="en-US">
               <a:solidFill>
@@ -16689,8 +16627,8 @@
         </p:blipFill>
         <p:spPr bwMode="auto">
           <a:xfrm>
-            <a:off x="3821725" y="2255809"/>
-            <a:ext cx="7317295" cy="4555988"/>
+            <a:off x="2676939" y="2522767"/>
+            <a:ext cx="8462081" cy="4063563"/>
           </a:xfrm>
           <a:prstGeom prst="rect">
             <a:avLst/>
@@ -16834,11 +16772,7 @@
             <a:pPr lvl="1"/>
             <a:r>
               <a:rPr lang="en-CA"/>
-              <a:t>Important </a:t>
-            </a:r>
-            <a:r>
-              <a:rPr lang="en-CA"/>
-              <a:t>DNS </a:t>
+              <a:t>Important DNS </a:t>
             </a:r>
             <a:r>
               <a:rPr lang="en-CA" smtClean="0"/>
@@ -17081,11 +17015,7 @@
             <a:pPr lvl="1"/>
             <a:r>
               <a:rPr lang="en-CA"/>
-              <a:t>Important </a:t>
-            </a:r>
-            <a:r>
-              <a:rPr lang="en-CA"/>
-              <a:t>DNS </a:t>
+              <a:t>Important DNS </a:t>
             </a:r>
             <a:r>
               <a:rPr lang="en-CA" smtClean="0"/>
@@ -17393,11 +17323,7 @@
             <a:pPr lvl="1"/>
             <a:r>
               <a:rPr lang="en-CA"/>
-              <a:t>Important </a:t>
-            </a:r>
-            <a:r>
-              <a:rPr lang="en-CA"/>
-              <a:t>DNS </a:t>
+              <a:t>Important DNS </a:t>
             </a:r>
             <a:r>
               <a:rPr lang="en-CA" smtClean="0"/>
@@ -18019,14 +17945,7 @@
                 <a:latin typeface="Times New Roman" panose="02020603050405020304" pitchFamily="18" charset="0"/>
                 <a:cs typeface="Times New Roman" panose="02020603050405020304" pitchFamily="18" charset="0"/>
               </a:rPr>
-              <a:t>queries for domain names into </a:t>
-            </a:r>
-            <a:r>
-              <a:rPr lang="en-US" altLang="en-US">
-                <a:latin typeface="Times New Roman" panose="02020603050405020304" pitchFamily="18" charset="0"/>
-                <a:cs typeface="Times New Roman" panose="02020603050405020304" pitchFamily="18" charset="0"/>
-              </a:rPr>
-              <a:t>IP </a:t>
+              <a:t>queries for domain names into IP </a:t>
             </a:r>
             <a:r>
               <a:rPr lang="en-US" altLang="en-US" smtClean="0">
@@ -18043,14 +17962,7 @@
                 <a:latin typeface="Times New Roman" panose="02020603050405020304" pitchFamily="18" charset="0"/>
                 <a:cs typeface="Times New Roman" panose="02020603050405020304" pitchFamily="18" charset="0"/>
               </a:rPr>
-              <a:t>An essential component of the functionality of </a:t>
-            </a:r>
-            <a:r>
-              <a:rPr lang="en-US" altLang="en-US" sz="2400">
-                <a:latin typeface="Times New Roman" panose="02020603050405020304" pitchFamily="18" charset="0"/>
-                <a:cs typeface="Times New Roman" panose="02020603050405020304" pitchFamily="18" charset="0"/>
-              </a:rPr>
-              <a:t>the </a:t>
+              <a:t>An essential component of the functionality of the </a:t>
             </a:r>
             <a:r>
               <a:rPr lang="en-US" altLang="en-US" sz="2400" smtClean="0">
@@ -18067,14 +17979,7 @@
                 <a:latin typeface="Times New Roman" panose="02020603050405020304" pitchFamily="18" charset="0"/>
                 <a:cs typeface="Times New Roman" panose="02020603050405020304" pitchFamily="18" charset="0"/>
               </a:rPr>
-              <a:t>The DNS protocol defines a set of messages sent over either User Datagram Protocol (UDP) port 53 or Transmission Control Protocol (TCP) port 53</a:t>
-            </a:r>
-            <a:r>
-              <a:rPr lang="en-US" sz="2400">
-                <a:latin typeface="Times New Roman" panose="02020603050405020304" pitchFamily="18" charset="0"/>
-                <a:cs typeface="Times New Roman" panose="02020603050405020304" pitchFamily="18" charset="0"/>
-              </a:rPr>
-              <a:t>. </a:t>
+              <a:t>The DNS protocol defines a set of messages sent over either User Datagram Protocol (UDP) port 53 or Transmission Control Protocol (TCP) port 53. </a:t>
             </a:r>
             <a:endParaRPr lang="en-US" altLang="en-US" sz="2400">
               <a:latin typeface="Times New Roman" panose="02020603050405020304" pitchFamily="18" charset="0"/>
@@ -18437,11 +18342,7 @@
             <a:pPr lvl="1"/>
             <a:r>
               <a:rPr lang="en-CA"/>
-              <a:t>Important </a:t>
-            </a:r>
-            <a:r>
-              <a:rPr lang="en-CA"/>
-              <a:t>DNS </a:t>
+              <a:t>Important DNS </a:t>
             </a:r>
             <a:r>
               <a:rPr lang="en-CA" smtClean="0"/>
@@ -18547,14 +18448,7 @@
                 <a:latin typeface="Times New Roman" panose="02020603050405020304" pitchFamily="18" charset="0"/>
                 <a:cs typeface="Times New Roman" panose="02020603050405020304" pitchFamily="18" charset="0"/>
               </a:rPr>
-              <a:t>the structure of the </a:t>
-            </a:r>
-            <a:r>
-              <a:rPr lang="en-US" altLang="en-US" sz="2400">
-                <a:latin typeface="Times New Roman" panose="02020603050405020304" pitchFamily="18" charset="0"/>
-                <a:cs typeface="Times New Roman" panose="02020603050405020304" pitchFamily="18" charset="0"/>
-              </a:rPr>
-              <a:t>DNS </a:t>
+              <a:t>the structure of the DNS </a:t>
             </a:r>
             <a:r>
               <a:rPr lang="en-US" altLang="en-US" sz="2400" smtClean="0">
@@ -18568,14 +18462,7 @@
                 <a:latin typeface="Times New Roman" panose="02020603050405020304" pitchFamily="18" charset="0"/>
                 <a:cs typeface="Times New Roman" panose="02020603050405020304" pitchFamily="18" charset="0"/>
               </a:rPr>
-              <a:t>A domain namespace that will contain a "tree" of </a:t>
-            </a:r>
-            <a:r>
-              <a:rPr lang="en-US" sz="2400">
-                <a:latin typeface="Times New Roman" panose="02020603050405020304" pitchFamily="18" charset="0"/>
-                <a:cs typeface="Times New Roman" panose="02020603050405020304" pitchFamily="18" charset="0"/>
-              </a:rPr>
-              <a:t>domain </a:t>
+              <a:t>A domain namespace that will contain a "tree" of domain </a:t>
             </a:r>
             <a:r>
               <a:rPr lang="en-US" sz="2400" smtClean="0">
@@ -18616,14 +18503,7 @@
                 <a:latin typeface="Times New Roman" panose="02020603050405020304" pitchFamily="18" charset="0"/>
                 <a:cs typeface="Times New Roman" panose="02020603050405020304" pitchFamily="18" charset="0"/>
               </a:rPr>
-              <a:t>node in the tree has a private label. An empty label representing the root. A full domain name of any node in the "tree" is the order of the labels in the path from that node to </a:t>
-            </a:r>
-            <a:r>
-              <a:rPr lang="en-US" sz="2400">
-                <a:latin typeface="Times New Roman" panose="02020603050405020304" pitchFamily="18" charset="0"/>
-                <a:cs typeface="Times New Roman" panose="02020603050405020304" pitchFamily="18" charset="0"/>
-              </a:rPr>
-              <a:t>the </a:t>
+              <a:t>node in the tree has a private label. An empty label representing the root. A full domain name of any node in the "tree" is the order of the labels in the path from that node to the </a:t>
             </a:r>
             <a:r>
               <a:rPr lang="en-US" sz="2400" smtClean="0">
@@ -18647,14 +18527,7 @@
                 <a:latin typeface="Times New Roman" panose="02020603050405020304" pitchFamily="18" charset="0"/>
                 <a:cs typeface="Times New Roman" panose="02020603050405020304" pitchFamily="18" charset="0"/>
               </a:rPr>
-              <a:t>A domain is a branch of the namespace. The domain is the set of nodes that have the same parent node, this node creates a </a:t>
-            </a:r>
-            <a:r>
-              <a:rPr lang="en-US" sz="2400">
-                <a:latin typeface="Times New Roman" panose="02020603050405020304" pitchFamily="18" charset="0"/>
-                <a:cs typeface="Times New Roman" panose="02020603050405020304" pitchFamily="18" charset="0"/>
-              </a:rPr>
-              <a:t>domain</a:t>
+              <a:t>A domain is a branch of the namespace. The domain is the set of nodes that have the same parent node, this node creates a domain</a:t>
             </a:r>
             <a:r>
               <a:rPr lang="en-US" sz="2400" smtClean="0">
@@ -19013,7 +18886,7 @@
           <a:graphicData uri="http://schemas.openxmlformats.org/presentationml/2006/ole">
             <mc:AlternateContent xmlns:mc="http://schemas.openxmlformats.org/markup-compatibility/2006">
               <mc:Choice xmlns:v="urn:schemas-microsoft-com:vml" Requires="v">
-                <p:oleObj spid="_x0000_s1029" name="Visio" r:id="rId3" imgW="5310655" imgH="4153448" progId="Visio.Drawing.6">
+                <p:oleObj spid="_x0000_s1031" name="Visio" r:id="rId3" imgW="5310655" imgH="4153448" progId="Visio.Drawing.6">
                   <p:embed/>
                 </p:oleObj>
               </mc:Choice>
@@ -19166,11 +19039,7 @@
             <a:pPr lvl="1"/>
             <a:r>
               <a:rPr lang="en-CA"/>
-              <a:t>Important </a:t>
-            </a:r>
-            <a:r>
-              <a:rPr lang="en-CA"/>
-              <a:t>DNS </a:t>
+              <a:t>Important DNS </a:t>
             </a:r>
             <a:r>
               <a:rPr lang="en-CA" smtClean="0"/>
@@ -19931,14 +19800,7 @@
                 <a:latin typeface="Times New Roman" panose="02020603050405020304" pitchFamily="18" charset="0"/>
                 <a:cs typeface="Times New Roman" panose="02020603050405020304" pitchFamily="18" charset="0"/>
               </a:rPr>
-              <a:t>The </a:t>
-            </a:r>
-            <a:r>
-              <a:rPr lang="en-US" altLang="en-US" sz="2400">
-                <a:latin typeface="Times New Roman" panose="02020603050405020304" pitchFamily="18" charset="0"/>
-                <a:cs typeface="Times New Roman" panose="02020603050405020304" pitchFamily="18" charset="0"/>
-              </a:rPr>
-              <a:t>top of the hierarchy is served by the root nameservers, the servers to query when looking up (resolving) a TLD.</a:t>
+              <a:t>The top of the hierarchy is served by the root nameservers, the servers to query when looking up (resolving) a TLD.</a:t>
             </a:r>
           </a:p>
         </p:txBody>
@@ -20047,11 +19909,7 @@
             <a:pPr lvl="1"/>
             <a:r>
               <a:rPr lang="en-CA"/>
-              <a:t>Important </a:t>
-            </a:r>
-            <a:r>
-              <a:rPr lang="en-CA"/>
-              <a:t>DNS </a:t>
+              <a:t>Important DNS </a:t>
             </a:r>
             <a:r>
               <a:rPr lang="en-CA" smtClean="0"/>
@@ -20202,11 +20060,7 @@
             <a:pPr lvl="1"/>
             <a:r>
               <a:rPr lang="en-CA"/>
-              <a:t>Important </a:t>
-            </a:r>
-            <a:r>
-              <a:rPr lang="en-CA"/>
-              <a:t>DNS </a:t>
+              <a:t>Important DNS </a:t>
             </a:r>
             <a:r>
               <a:rPr lang="en-CA" smtClean="0"/>
@@ -20413,14 +20267,7 @@
                 <a:latin typeface="Times New Roman" panose="02020603050405020304" pitchFamily="18" charset="0"/>
                 <a:cs typeface="Times New Roman" panose="02020603050405020304" pitchFamily="18" charset="0"/>
               </a:rPr>
-              <a:t>The programs that store information about the domain name </a:t>
-            </a:r>
-            <a:r>
-              <a:rPr lang="en-US" sz="2400">
-                <a:latin typeface="Times New Roman" panose="02020603050405020304" pitchFamily="18" charset="0"/>
-                <a:cs typeface="Times New Roman" panose="02020603050405020304" pitchFamily="18" charset="0"/>
-              </a:rPr>
-              <a:t>space</a:t>
+              <a:t>The programs that store information about the domain name space</a:t>
             </a:r>
             <a:r>
               <a:rPr lang="en-US" sz="2400" smtClean="0">

--- a/Domain Name System (DNS).pptx
+++ b/Domain Name System (DNS).pptx
@@ -20,11 +20,18 @@
     <p:sldId id="267" r:id="rId14"/>
     <p:sldId id="268" r:id="rId15"/>
     <p:sldId id="269" r:id="rId16"/>
-    <p:sldId id="270" r:id="rId17"/>
-    <p:sldId id="271" r:id="rId18"/>
-    <p:sldId id="272" r:id="rId19"/>
-    <p:sldId id="273" r:id="rId20"/>
-    <p:sldId id="274" r:id="rId21"/>
+    <p:sldId id="276" r:id="rId17"/>
+    <p:sldId id="270" r:id="rId18"/>
+    <p:sldId id="271" r:id="rId19"/>
+    <p:sldId id="272" r:id="rId20"/>
+    <p:sldId id="273" r:id="rId21"/>
+    <p:sldId id="274" r:id="rId22"/>
+    <p:sldId id="277" r:id="rId23"/>
+    <p:sldId id="278" r:id="rId24"/>
+    <p:sldId id="279" r:id="rId25"/>
+    <p:sldId id="280" r:id="rId26"/>
+    <p:sldId id="281" r:id="rId27"/>
+    <p:sldId id="282" r:id="rId28"/>
   </p:sldIdLst>
   <p:sldSz cx="12192000" cy="6858000"/>
   <p:notesSz cx="6858000" cy="9144000"/>
@@ -634,7 +641,7 @@
             <a:fld id="{B61BEF0D-F0BB-DE4B-95CE-6DB70DBA9567}" type="datetimeFigureOut">
               <a:rPr lang="en-US" dirty="0"/>
               <a:pPr/>
-              <a:t>6/18/2015</a:t>
+              <a:t>6/21/2015</a:t>
             </a:fld>
             <a:endParaRPr lang="en-US" dirty="0"/>
           </a:p>
@@ -927,7 +934,7 @@
             <a:fld id="{B61BEF0D-F0BB-DE4B-95CE-6DB70DBA9567}" type="datetimeFigureOut">
               <a:rPr lang="en-US" dirty="0"/>
               <a:pPr/>
-              <a:t>6/18/2015</a:t>
+              <a:t>6/21/2015</a:t>
             </a:fld>
             <a:endParaRPr lang="en-US" dirty="0"/>
           </a:p>
@@ -1172,7 +1179,7 @@
             <a:fld id="{B61BEF0D-F0BB-DE4B-95CE-6DB70DBA9567}" type="datetimeFigureOut">
               <a:rPr lang="en-US" dirty="0"/>
               <a:pPr/>
-              <a:t>6/18/2015</a:t>
+              <a:t>6/21/2015</a:t>
             </a:fld>
             <a:endParaRPr lang="en-US" dirty="0"/>
           </a:p>
@@ -1709,7 +1716,7 @@
             <a:fld id="{B61BEF0D-F0BB-DE4B-95CE-6DB70DBA9567}" type="datetimeFigureOut">
               <a:rPr lang="en-US" dirty="0"/>
               <a:pPr/>
-              <a:t>6/18/2015</a:t>
+              <a:t>6/21/2015</a:t>
             </a:fld>
             <a:endParaRPr lang="en-US" dirty="0"/>
           </a:p>
@@ -1954,7 +1961,7 @@
             <a:fld id="{B61BEF0D-F0BB-DE4B-95CE-6DB70DBA9567}" type="datetimeFigureOut">
               <a:rPr lang="en-US" dirty="0"/>
               <a:pPr/>
-              <a:t>6/18/2015</a:t>
+              <a:t>6/21/2015</a:t>
             </a:fld>
             <a:endParaRPr lang="en-US" dirty="0"/>
           </a:p>
@@ -2483,7 +2490,7 @@
             <a:fld id="{B61BEF0D-F0BB-DE4B-95CE-6DB70DBA9567}" type="datetimeFigureOut">
               <a:rPr lang="en-US" dirty="0"/>
               <a:pPr/>
-              <a:t>6/18/2015</a:t>
+              <a:t>6/21/2015</a:t>
             </a:fld>
             <a:endParaRPr lang="en-US" dirty="0"/>
           </a:p>
@@ -2777,7 +2784,7 @@
             <a:fld id="{B61BEF0D-F0BB-DE4B-95CE-6DB70DBA9567}" type="datetimeFigureOut">
               <a:rPr lang="en-US" dirty="0"/>
               <a:pPr/>
-              <a:t>6/18/2015</a:t>
+              <a:t>6/21/2015</a:t>
             </a:fld>
             <a:endParaRPr lang="en-US" dirty="0"/>
           </a:p>
@@ -2948,7 +2955,7 @@
             <a:fld id="{B61BEF0D-F0BB-DE4B-95CE-6DB70DBA9567}" type="datetimeFigureOut">
               <a:rPr lang="en-US" dirty="0"/>
               <a:pPr/>
-              <a:t>6/18/2015</a:t>
+              <a:t>6/21/2015</a:t>
             </a:fld>
             <a:endParaRPr lang="en-US" dirty="0"/>
           </a:p>
@@ -3125,7 +3132,7 @@
             <a:fld id="{B61BEF0D-F0BB-DE4B-95CE-6DB70DBA9567}" type="datetimeFigureOut">
               <a:rPr lang="en-US" dirty="0"/>
               <a:pPr/>
-              <a:t>6/18/2015</a:t>
+              <a:t>6/21/2015</a:t>
             </a:fld>
             <a:endParaRPr lang="en-US" dirty="0"/>
           </a:p>
@@ -3292,7 +3299,7 @@
             <a:fld id="{B61BEF0D-F0BB-DE4B-95CE-6DB70DBA9567}" type="datetimeFigureOut">
               <a:rPr lang="en-US" dirty="0"/>
               <a:pPr/>
-              <a:t>6/18/2015</a:t>
+              <a:t>6/21/2015</a:t>
             </a:fld>
             <a:endParaRPr lang="en-US" dirty="0"/>
           </a:p>
@@ -3540,7 +3547,7 @@
             <a:fld id="{B61BEF0D-F0BB-DE4B-95CE-6DB70DBA9567}" type="datetimeFigureOut">
               <a:rPr lang="en-US" dirty="0"/>
               <a:pPr/>
-              <a:t>6/18/2015</a:t>
+              <a:t>6/21/2015</a:t>
             </a:fld>
             <a:endParaRPr lang="en-US" dirty="0"/>
           </a:p>
@@ -3834,7 +3841,7 @@
             <a:fld id="{B61BEF0D-F0BB-DE4B-95CE-6DB70DBA9567}" type="datetimeFigureOut">
               <a:rPr lang="en-US" dirty="0"/>
               <a:pPr/>
-              <a:t>6/18/2015</a:t>
+              <a:t>6/21/2015</a:t>
             </a:fld>
             <a:endParaRPr lang="en-US" dirty="0"/>
           </a:p>
@@ -4273,7 +4280,7 @@
             <a:fld id="{B61BEF0D-F0BB-DE4B-95CE-6DB70DBA9567}" type="datetimeFigureOut">
               <a:rPr lang="en-US" dirty="0"/>
               <a:pPr/>
-              <a:t>6/18/2015</a:t>
+              <a:t>6/21/2015</a:t>
             </a:fld>
             <a:endParaRPr lang="en-US" dirty="0"/>
           </a:p>
@@ -4388,7 +4395,7 @@
             <a:fld id="{B61BEF0D-F0BB-DE4B-95CE-6DB70DBA9567}" type="datetimeFigureOut">
               <a:rPr lang="en-US" dirty="0"/>
               <a:pPr/>
-              <a:t>6/18/2015</a:t>
+              <a:t>6/21/2015</a:t>
             </a:fld>
             <a:endParaRPr lang="en-US" dirty="0"/>
           </a:p>
@@ -4480,7 +4487,7 @@
             <a:fld id="{B61BEF0D-F0BB-DE4B-95CE-6DB70DBA9567}" type="datetimeFigureOut">
               <a:rPr lang="en-US" dirty="0"/>
               <a:pPr/>
-              <a:t>6/18/2015</a:t>
+              <a:t>6/21/2015</a:t>
             </a:fld>
             <a:endParaRPr lang="en-US" dirty="0"/>
           </a:p>
@@ -4760,7 +4767,7 @@
             <a:fld id="{B61BEF0D-F0BB-DE4B-95CE-6DB70DBA9567}" type="datetimeFigureOut">
               <a:rPr lang="en-US" dirty="0"/>
               <a:pPr/>
-              <a:t>6/18/2015</a:t>
+              <a:t>6/21/2015</a:t>
             </a:fld>
             <a:endParaRPr lang="en-US" dirty="0"/>
           </a:p>
@@ -5048,7 +5055,7 @@
             <a:fld id="{B61BEF0D-F0BB-DE4B-95CE-6DB70DBA9567}" type="datetimeFigureOut">
               <a:rPr lang="en-US" dirty="0"/>
               <a:pPr/>
-              <a:t>6/18/2015</a:t>
+              <a:t>6/21/2015</a:t>
             </a:fld>
             <a:endParaRPr lang="en-US" dirty="0"/>
           </a:p>
@@ -5575,7 +5582,7 @@
             <a:fld id="{B61BEF0D-F0BB-DE4B-95CE-6DB70DBA9567}" type="datetimeFigureOut">
               <a:rPr lang="en-US" dirty="0"/>
               <a:pPr/>
-              <a:t>6/18/2015</a:t>
+              <a:t>6/21/2015</a:t>
             </a:fld>
             <a:endParaRPr lang="en-US" dirty="0"/>
           </a:p>
@@ -16627,8 +16634,8 @@
         </p:blipFill>
         <p:spPr bwMode="auto">
           <a:xfrm>
-            <a:off x="2676939" y="2522767"/>
-            <a:ext cx="8462081" cy="4063563"/>
+            <a:off x="2623931" y="3163120"/>
+            <a:ext cx="8462081" cy="3535854"/>
           </a:xfrm>
           <a:prstGeom prst="rect">
             <a:avLst/>
@@ -16849,15 +16856,15 @@
         </p:nvSpPr>
         <p:spPr>
           <a:xfrm>
-            <a:off x="2468630" y="2061102"/>
-            <a:ext cx="2706190" cy="461665"/>
+            <a:off x="2424602" y="1962791"/>
+            <a:ext cx="9515607" cy="1200329"/>
           </a:xfrm>
           <a:prstGeom prst="rect">
             <a:avLst/>
           </a:prstGeom>
         </p:spPr>
         <p:txBody>
-          <a:bodyPr wrap="none">
+          <a:bodyPr wrap="square">
             <a:spAutoFit/>
           </a:bodyPr>
           <a:lstStyle/>
@@ -16872,12 +16879,68 @@
                 <a:latin typeface="Times New Roman" panose="02020603050405020304" pitchFamily="18" charset="0"/>
                 <a:cs typeface="Times New Roman" panose="02020603050405020304" pitchFamily="18" charset="0"/>
               </a:rPr>
-              <a:t>Real deployment:</a:t>
-            </a:r>
-            <a:endParaRPr lang="en-US" sz="2400">
+              <a:t>Real deployment: </a:t>
+            </a:r>
+          </a:p>
+          <a:p>
+            <a:pPr marL="0" lvl="1" algn="just">
+              <a:defRPr/>
+            </a:pPr>
+            <a:r>
+              <a:rPr lang="en-US" sz="2400" smtClean="0"/>
+              <a:t>	</a:t>
+            </a:r>
+            <a:r>
+              <a:rPr lang="en-US" sz="2200" smtClean="0">
+                <a:latin typeface="Times New Roman" panose="02020603050405020304" pitchFamily="18" charset="0"/>
+                <a:cs typeface="Times New Roman" panose="02020603050405020304" pitchFamily="18" charset="0"/>
+              </a:rPr>
+              <a:t>- Queries </a:t>
+            </a:r>
+            <a:r>
+              <a:rPr lang="en-US" sz="2200">
+                <a:latin typeface="Times New Roman" panose="02020603050405020304" pitchFamily="18" charset="0"/>
+                <a:cs typeface="Times New Roman" panose="02020603050405020304" pitchFamily="18" charset="0"/>
+              </a:rPr>
+              <a:t>between Resolver---&gt; DNS Server is the recursive </a:t>
+            </a:r>
+            <a:r>
+              <a:rPr lang="en-US" sz="2200" smtClean="0">
+                <a:latin typeface="Times New Roman" panose="02020603050405020304" pitchFamily="18" charset="0"/>
+                <a:cs typeface="Times New Roman" panose="02020603050405020304" pitchFamily="18" charset="0"/>
+              </a:rPr>
+              <a:t>query</a:t>
+            </a:r>
+            <a:endParaRPr lang="en-US" sz="2200">
               <a:latin typeface="Times New Roman" panose="02020603050405020304" pitchFamily="18" charset="0"/>
               <a:cs typeface="Times New Roman" panose="02020603050405020304" pitchFamily="18" charset="0"/>
             </a:endParaRPr>
+          </a:p>
+          <a:p>
+            <a:pPr marL="0" lvl="1" algn="just">
+              <a:defRPr/>
+            </a:pPr>
+            <a:r>
+              <a:rPr lang="en-US" sz="2200">
+                <a:latin typeface="Times New Roman" panose="02020603050405020304" pitchFamily="18" charset="0"/>
+                <a:cs typeface="Times New Roman" panose="02020603050405020304" pitchFamily="18" charset="0"/>
+              </a:rPr>
+              <a:t>	</a:t>
+            </a:r>
+            <a:r>
+              <a:rPr lang="en-US" sz="2200" smtClean="0">
+                <a:latin typeface="Times New Roman" panose="02020603050405020304" pitchFamily="18" charset="0"/>
+                <a:cs typeface="Times New Roman" panose="02020603050405020304" pitchFamily="18" charset="0"/>
+              </a:rPr>
+              <a:t>- Queries </a:t>
+            </a:r>
+            <a:r>
+              <a:rPr lang="en-US" sz="2200">
+                <a:latin typeface="Times New Roman" panose="02020603050405020304" pitchFamily="18" charset="0"/>
+                <a:cs typeface="Times New Roman" panose="02020603050405020304" pitchFamily="18" charset="0"/>
+              </a:rPr>
+              <a:t>between DNS Server &gt; DNS Server---is interactive query</a:t>
+            </a:r>
           </a:p>
         </p:txBody>
       </p:sp>
@@ -16891,10 +16954,269 @@
   <p:clrMapOvr>
     <a:masterClrMapping/>
   </p:clrMapOvr>
+  <p:timing>
+    <p:tnLst>
+      <p:par>
+        <p:cTn id="1" dur="indefinite" restart="never" nodeType="tmRoot"/>
+      </p:par>
+    </p:tnLst>
+  </p:timing>
 </p:sld>
 </file>
 
 <file path=ppt/slides/slide16.xml><?xml version="1.0" encoding="utf-8"?>
+<p:sld xmlns:a="http://schemas.openxmlformats.org/drawingml/2006/main" xmlns:r="http://schemas.openxmlformats.org/officeDocument/2006/relationships" xmlns:p="http://schemas.openxmlformats.org/presentationml/2006/main">
+  <p:cSld>
+    <p:spTree>
+      <p:nvGrpSpPr>
+        <p:cNvPr id="1" name=""/>
+        <p:cNvGrpSpPr/>
+        <p:nvPr/>
+      </p:nvGrpSpPr>
+      <p:grpSpPr>
+        <a:xfrm>
+          <a:off x="0" y="0"/>
+          <a:ext cx="0" cy="0"/>
+          <a:chOff x="0" y="0"/>
+          <a:chExt cx="0" cy="0"/>
+        </a:xfrm>
+      </p:grpSpPr>
+      <p:sp>
+        <p:nvSpPr>
+          <p:cNvPr id="4" name="Title 1"/>
+          <p:cNvSpPr txBox="1">
+            <a:spLocks/>
+          </p:cNvSpPr>
+          <p:nvPr/>
+        </p:nvSpPr>
+        <p:spPr>
+          <a:xfrm>
+            <a:off x="1987826" y="685800"/>
+            <a:ext cx="9515198" cy="718930"/>
+          </a:xfrm>
+          <a:prstGeom prst="rect">
+            <a:avLst/>
+          </a:prstGeom>
+          <a:effectLst/>
+        </p:spPr>
+        <p:txBody>
+          <a:bodyPr vert="horz" lIns="91440" tIns="45720" rIns="91440" bIns="45720" rtlCol="0" anchor="ctr">
+            <a:normAutofit/>
+          </a:bodyPr>
+          <a:lstStyle>
+            <a:lvl1pPr algn="ctr">
+              <a:spcBef>
+                <a:spcPct val="0"/>
+              </a:spcBef>
+              <a:buNone/>
+              <a:defRPr sz="4000" cap="none">
+                <a:ln w="3175" cmpd="sng">
+                  <a:noFill/>
+                </a:ln>
+                <a:effectLst/>
+                <a:latin typeface="+mj-lt"/>
+                <a:ea typeface="+mj-ea"/>
+                <a:cs typeface="+mj-cs"/>
+              </a:defRPr>
+            </a:lvl1pPr>
+            <a:lvl2pPr lvl="1" algn="ctr">
+              <a:spcBef>
+                <a:spcPct val="0"/>
+              </a:spcBef>
+              <a:defRPr sz="4000" b="1">
+                <a:solidFill>
+                  <a:schemeClr val="tx2"/>
+                </a:solidFill>
+                <a:latin typeface="Times New Roman" panose="02020603050405020304" pitchFamily="18" charset="0"/>
+                <a:cs typeface="Times New Roman" panose="02020603050405020304" pitchFamily="18" charset="0"/>
+              </a:defRPr>
+            </a:lvl2pPr>
+            <a:lvl3pPr>
+              <a:defRPr>
+                <a:solidFill>
+                  <a:schemeClr val="tx2"/>
+                </a:solidFill>
+              </a:defRPr>
+            </a:lvl3pPr>
+            <a:lvl4pPr>
+              <a:defRPr>
+                <a:solidFill>
+                  <a:schemeClr val="tx2"/>
+                </a:solidFill>
+              </a:defRPr>
+            </a:lvl4pPr>
+            <a:lvl5pPr>
+              <a:defRPr>
+                <a:solidFill>
+                  <a:schemeClr val="tx2"/>
+                </a:solidFill>
+              </a:defRPr>
+            </a:lvl5pPr>
+            <a:lvl6pPr>
+              <a:defRPr>
+                <a:solidFill>
+                  <a:schemeClr val="tx2"/>
+                </a:solidFill>
+              </a:defRPr>
+            </a:lvl6pPr>
+            <a:lvl7pPr>
+              <a:defRPr>
+                <a:solidFill>
+                  <a:schemeClr val="tx2"/>
+                </a:solidFill>
+              </a:defRPr>
+            </a:lvl7pPr>
+            <a:lvl8pPr>
+              <a:defRPr>
+                <a:solidFill>
+                  <a:schemeClr val="tx2"/>
+                </a:solidFill>
+              </a:defRPr>
+            </a:lvl8pPr>
+            <a:lvl9pPr>
+              <a:defRPr>
+                <a:solidFill>
+                  <a:schemeClr val="tx2"/>
+                </a:solidFill>
+              </a:defRPr>
+            </a:lvl9pPr>
+          </a:lstStyle>
+          <a:p>
+            <a:pPr lvl="1"/>
+            <a:r>
+              <a:rPr lang="en-CA"/>
+              <a:t>Important DNS </a:t>
+            </a:r>
+            <a:r>
+              <a:rPr lang="en-CA" smtClean="0"/>
+              <a:t>terminology</a:t>
+            </a:r>
+            <a:endParaRPr lang="en-CA" dirty="0"/>
+          </a:p>
+        </p:txBody>
+      </p:sp>
+      <p:sp>
+        <p:nvSpPr>
+          <p:cNvPr id="5" name="Rectangle 4"/>
+          <p:cNvSpPr/>
+          <p:nvPr/>
+        </p:nvSpPr>
+        <p:spPr>
+          <a:xfrm>
+            <a:off x="1987826" y="1627569"/>
+            <a:ext cx="1989968" cy="461665"/>
+          </a:xfrm>
+          <a:prstGeom prst="rect">
+            <a:avLst/>
+          </a:prstGeom>
+        </p:spPr>
+        <p:txBody>
+          <a:bodyPr wrap="none">
+            <a:spAutoFit/>
+          </a:bodyPr>
+          <a:lstStyle/>
+          <a:p>
+            <a:pPr marL="703263" lvl="1" indent="-533400">
+              <a:spcBef>
+                <a:spcPct val="20000"/>
+              </a:spcBef>
+              <a:spcAft>
+                <a:spcPts val="600"/>
+              </a:spcAft>
+              <a:buClr>
+                <a:schemeClr val="accent1">
+                  <a:lumMod val="75000"/>
+                </a:schemeClr>
+              </a:buClr>
+              <a:buSzPct val="145000"/>
+              <a:buFont typeface="Arial"/>
+              <a:buChar char="•"/>
+              <a:defRPr/>
+            </a:pPr>
+            <a:r>
+              <a:rPr lang="en-US" sz="2400" b="1">
+                <a:latin typeface="Times New Roman" panose="02020603050405020304" pitchFamily="18" charset="0"/>
+                <a:cs typeface="Times New Roman" panose="02020603050405020304" pitchFamily="18" charset="0"/>
+              </a:rPr>
+              <a:t>Caching</a:t>
+            </a:r>
+          </a:p>
+        </p:txBody>
+      </p:sp>
+      <p:sp>
+        <p:nvSpPr>
+          <p:cNvPr id="6" name="Rectangle 5"/>
+          <p:cNvSpPr/>
+          <p:nvPr/>
+        </p:nvSpPr>
+        <p:spPr>
+          <a:xfrm>
+            <a:off x="2504659" y="2108681"/>
+            <a:ext cx="8163339" cy="1569660"/>
+          </a:xfrm>
+          <a:prstGeom prst="rect">
+            <a:avLst/>
+          </a:prstGeom>
+        </p:spPr>
+        <p:txBody>
+          <a:bodyPr wrap="square">
+            <a:spAutoFit/>
+          </a:bodyPr>
+          <a:lstStyle/>
+          <a:p>
+            <a:pPr algn="just"/>
+            <a:r>
+              <a:rPr lang="en-US" sz="2400">
+                <a:latin typeface="Times New Roman" panose="02020603050405020304" pitchFamily="18" charset="0"/>
+                <a:cs typeface="Times New Roman" panose="02020603050405020304" pitchFamily="18" charset="0"/>
+              </a:rPr>
+              <a:t>DNS Server and Client will save these queries (caching) to be the next time it will search in the cache </a:t>
+            </a:r>
+            <a:r>
+              <a:rPr lang="en-US" sz="2400" smtClean="0">
+                <a:latin typeface="Times New Roman" panose="02020603050405020304" pitchFamily="18" charset="0"/>
+                <a:cs typeface="Times New Roman" panose="02020603050405020304" pitchFamily="18" charset="0"/>
+              </a:rPr>
+              <a:t>before If </a:t>
+            </a:r>
+            <a:r>
+              <a:rPr lang="en-US" sz="2400">
+                <a:latin typeface="Times New Roman" panose="02020603050405020304" pitchFamily="18" charset="0"/>
+                <a:cs typeface="Times New Roman" panose="02020603050405020304" pitchFamily="18" charset="0"/>
+              </a:rPr>
+              <a:t>queries </a:t>
+            </a:r>
+            <a:r>
+              <a:rPr lang="en-US" sz="2400" smtClean="0">
+                <a:latin typeface="Times New Roman" panose="02020603050405020304" pitchFamily="18" charset="0"/>
+                <a:cs typeface="Times New Roman" panose="02020603050405020304" pitchFamily="18" charset="0"/>
+              </a:rPr>
+              <a:t>have in the cache </a:t>
+            </a:r>
+            <a:r>
+              <a:rPr lang="en-US" sz="2400">
+                <a:latin typeface="Times New Roman" panose="02020603050405020304" pitchFamily="18" charset="0"/>
+                <a:cs typeface="Times New Roman" panose="02020603050405020304" pitchFamily="18" charset="0"/>
+              </a:rPr>
+              <a:t>it will answer immediately without further queries. This helps for faster operations network (performing).</a:t>
+            </a:r>
+          </a:p>
+        </p:txBody>
+      </p:sp>
+    </p:spTree>
+    <p:extLst>
+      <p:ext uri="{BB962C8B-B14F-4D97-AF65-F5344CB8AC3E}">
+        <p14:creationId xmlns:p14="http://schemas.microsoft.com/office/powerpoint/2010/main" val="2853315210"/>
+      </p:ext>
+    </p:extLst>
+  </p:cSld>
+  <p:clrMapOvr>
+    <a:masterClrMapping/>
+  </p:clrMapOvr>
+</p:sld>
+</file>
+
+<file path=ppt/slides/slide17.xml><?xml version="1.0" encoding="utf-8"?>
 <p:sld xmlns:a="http://schemas.openxmlformats.org/drawingml/2006/main" xmlns:r="http://schemas.openxmlformats.org/officeDocument/2006/relationships" xmlns:p="http://schemas.openxmlformats.org/presentationml/2006/main">
   <p:cSld>
     <p:spTree>
@@ -17199,10 +17521,17 @@
   <p:clrMapOvr>
     <a:masterClrMapping/>
   </p:clrMapOvr>
+  <p:timing>
+    <p:tnLst>
+      <p:par>
+        <p:cTn id="1" dur="indefinite" restart="never" nodeType="tmRoot"/>
+      </p:par>
+    </p:tnLst>
+  </p:timing>
 </p:sld>
 </file>
 
-<file path=ppt/slides/slide17.xml><?xml version="1.0" encoding="utf-8"?>
+<file path=ppt/slides/slide18.xml><?xml version="1.0" encoding="utf-8"?>
 <p:sld xmlns:a="http://schemas.openxmlformats.org/drawingml/2006/main" xmlns:r="http://schemas.openxmlformats.org/officeDocument/2006/relationships" xmlns:p="http://schemas.openxmlformats.org/presentationml/2006/main">
   <p:cSld>
     <p:spTree>
@@ -17333,78 +17662,403 @@
           </a:p>
         </p:txBody>
       </p:sp>
-    </p:spTree>
-    <p:extLst>
-      <p:ext uri="{BB962C8B-B14F-4D97-AF65-F5344CB8AC3E}">
-        <p14:creationId xmlns:p14="http://schemas.microsoft.com/office/powerpoint/2010/main" val="2696120904"/>
-      </p:ext>
-    </p:extLst>
-  </p:cSld>
-  <p:clrMapOvr>
-    <a:masterClrMapping/>
-  </p:clrMapOvr>
-</p:sld>
-</file>
-
-<file path=ppt/slides/slide18.xml><?xml version="1.0" encoding="utf-8"?>
-<p:sld xmlns:a="http://schemas.openxmlformats.org/drawingml/2006/main" xmlns:r="http://schemas.openxmlformats.org/officeDocument/2006/relationships" xmlns:p="http://schemas.openxmlformats.org/presentationml/2006/main">
-  <p:cSld>
-    <p:spTree>
-      <p:nvGrpSpPr>
-        <p:cNvPr id="1" name=""/>
-        <p:cNvGrpSpPr/>
-        <p:nvPr/>
-      </p:nvGrpSpPr>
-      <p:grpSpPr>
-        <a:xfrm>
-          <a:off x="0" y="0"/>
-          <a:ext cx="0" cy="0"/>
-          <a:chOff x="0" y="0"/>
-          <a:chExt cx="0" cy="0"/>
-        </a:xfrm>
-      </p:grpSpPr>
       <p:sp>
         <p:nvSpPr>
-          <p:cNvPr id="2" name="Title 1"/>
-          <p:cNvSpPr>
-            <a:spLocks noGrp="1"/>
-          </p:cNvSpPr>
-          <p:nvPr>
-            <p:ph type="title"/>
-          </p:nvPr>
+          <p:cNvPr id="2" name="Rectangle 1"/>
+          <p:cNvSpPr/>
+          <p:nvPr/>
         </p:nvSpPr>
-        <p:spPr/>
+        <p:spPr>
+          <a:xfrm>
+            <a:off x="2282430" y="1667325"/>
+            <a:ext cx="2665473" cy="461665"/>
+          </a:xfrm>
+          <a:prstGeom prst="rect">
+            <a:avLst/>
+          </a:prstGeom>
+        </p:spPr>
         <p:txBody>
-          <a:bodyPr/>
+          <a:bodyPr wrap="none">
+            <a:spAutoFit/>
+          </a:bodyPr>
           <a:lstStyle/>
           <a:p>
-            <a:endParaRPr lang="en-US"/>
+            <a:pPr marL="703263" lvl="1" indent="-533400">
+              <a:spcBef>
+                <a:spcPct val="20000"/>
+              </a:spcBef>
+              <a:spcAft>
+                <a:spcPts val="600"/>
+              </a:spcAft>
+              <a:buClr>
+                <a:schemeClr val="accent1">
+                  <a:lumMod val="75000"/>
+                </a:schemeClr>
+              </a:buClr>
+              <a:buSzPct val="145000"/>
+              <a:buFont typeface="Arial"/>
+              <a:buChar char="•"/>
+              <a:defRPr/>
+            </a:pPr>
+            <a:r>
+              <a:rPr lang="en-US" sz="2400" b="1">
+                <a:latin typeface="Times New Roman" panose="02020603050405020304" pitchFamily="18" charset="0"/>
+                <a:cs typeface="Times New Roman" panose="02020603050405020304" pitchFamily="18" charset="0"/>
+              </a:rPr>
+              <a:t>SOA Records</a:t>
+            </a:r>
           </a:p>
         </p:txBody>
       </p:sp>
       <p:sp>
         <p:nvSpPr>
-          <p:cNvPr id="3" name="Content Placeholder 2"/>
-          <p:cNvSpPr>
-            <a:spLocks noGrp="1"/>
-          </p:cNvSpPr>
-          <p:nvPr>
-            <p:ph idx="1"/>
-          </p:nvPr>
+          <p:cNvPr id="3" name="Rectangle 2"/>
+          <p:cNvSpPr/>
+          <p:nvPr/>
         </p:nvSpPr>
-        <p:spPr/>
+        <p:spPr>
+          <a:xfrm>
+            <a:off x="3074503" y="2128990"/>
+            <a:ext cx="8428521" cy="2585323"/>
+          </a:xfrm>
+          <a:prstGeom prst="rect">
+            <a:avLst/>
+          </a:prstGeom>
+        </p:spPr>
         <p:txBody>
-          <a:bodyPr/>
+          <a:bodyPr wrap="square">
+            <a:spAutoFit/>
+          </a:bodyPr>
           <a:lstStyle/>
           <a:p>
+            <a:pPr marL="342900" indent="-342900">
+              <a:buFont typeface="Wingdings" panose="05000000000000000000" pitchFamily="2" charset="2"/>
+              <a:buChar char="§"/>
+            </a:pPr>
+            <a:r>
+              <a:rPr lang="en-US" sz="2400">
+                <a:latin typeface="Times New Roman" panose="02020603050405020304" pitchFamily="18" charset="0"/>
+                <a:cs typeface="Times New Roman" panose="02020603050405020304" pitchFamily="18" charset="0"/>
+              </a:rPr>
+              <a:t>The SOA record indicates that this name server is the best source of information for the data within this zone.</a:t>
+            </a:r>
+          </a:p>
+          <a:p>
+            <a:pPr marL="342900" indent="-342900">
+              <a:buFont typeface="Wingdings" panose="05000000000000000000" pitchFamily="2" charset="2"/>
+              <a:buChar char="§"/>
+            </a:pPr>
+            <a:r>
+              <a:rPr lang="en-US" sz="2400">
+                <a:latin typeface="Times New Roman" panose="02020603050405020304" pitchFamily="18" charset="0"/>
+                <a:cs typeface="Times New Roman" panose="02020603050405020304" pitchFamily="18" charset="0"/>
+              </a:rPr>
+              <a:t>There can be one, and only one, SOA record in a zone data file</a:t>
+            </a:r>
+            <a:r>
+              <a:rPr lang="en-US" sz="2400" smtClean="0">
+                <a:latin typeface="Times New Roman" panose="02020603050405020304" pitchFamily="18" charset="0"/>
+                <a:cs typeface="Times New Roman" panose="02020603050405020304" pitchFamily="18" charset="0"/>
+              </a:rPr>
+              <a:t>.</a:t>
+            </a:r>
+          </a:p>
+          <a:p>
+            <a:pPr marL="342900" indent="-342900">
+              <a:buFont typeface="Wingdings" panose="05000000000000000000" pitchFamily="2" charset="2"/>
+              <a:buChar char="§"/>
+            </a:pPr>
+            <a:endParaRPr lang="en-US" sz="2400">
+              <a:latin typeface="Times New Roman" panose="02020603050405020304" pitchFamily="18" charset="0"/>
+              <a:cs typeface="Times New Roman" panose="02020603050405020304" pitchFamily="18" charset="0"/>
+            </a:endParaRPr>
+          </a:p>
+          <a:p>
+            <a:pPr marL="342900" indent="-342900">
+              <a:buFont typeface="Wingdings" panose="05000000000000000000" pitchFamily="2" charset="2"/>
+              <a:buChar char="§"/>
+            </a:pPr>
+            <a:endParaRPr lang="en-US" sz="2400">
+              <a:latin typeface="Times New Roman" panose="02020603050405020304" pitchFamily="18" charset="0"/>
+              <a:cs typeface="Times New Roman" panose="02020603050405020304" pitchFamily="18" charset="0"/>
+            </a:endParaRPr>
+          </a:p>
+          <a:p>
+            <a:pPr marL="342900" indent="-342900">
+              <a:buFont typeface="Wingdings" panose="05000000000000000000" pitchFamily="2" charset="2"/>
+              <a:buChar char="§"/>
+            </a:pPr>
+            <a:r>
+              <a:rPr lang="en-US" sz="2400">
+                <a:latin typeface="Times New Roman" panose="02020603050405020304" pitchFamily="18" charset="0"/>
+                <a:cs typeface="Times New Roman" panose="02020603050405020304" pitchFamily="18" charset="0"/>
+              </a:rPr>
+              <a:t>Eg. The record:</a:t>
+            </a:r>
+          </a:p>
+          <a:p>
             <a:endParaRPr lang="en-US"/>
+          </a:p>
+        </p:txBody>
+      </p:sp>
+      <p:sp>
+        <p:nvSpPr>
+          <p:cNvPr id="5" name="Rectangle 4"/>
+          <p:cNvSpPr/>
+          <p:nvPr/>
+        </p:nvSpPr>
+        <p:spPr>
+          <a:xfrm>
+            <a:off x="3130569" y="4376744"/>
+            <a:ext cx="9061431" cy="2123658"/>
+          </a:xfrm>
+          <a:prstGeom prst="rect">
+            <a:avLst/>
+          </a:prstGeom>
+        </p:spPr>
+        <p:txBody>
+          <a:bodyPr wrap="square">
+            <a:spAutoFit/>
+          </a:bodyPr>
+          <a:lstStyle/>
+          <a:p>
+            <a:r>
+              <a:rPr lang="en-US" sz="2200">
+                <a:solidFill>
+                  <a:srgbClr val="7A0029"/>
+                </a:solidFill>
+                <a:latin typeface="Times New Roman" panose="02020603050405020304" pitchFamily="18" charset="0"/>
+                <a:cs typeface="Times New Roman" panose="02020603050405020304" pitchFamily="18" charset="0"/>
+              </a:rPr>
+              <a:t>movie.edu. </a:t>
+            </a:r>
+            <a:r>
+              <a:rPr lang="en-US" sz="2200" smtClean="0">
+                <a:solidFill>
+                  <a:srgbClr val="7A0029"/>
+                </a:solidFill>
+                <a:latin typeface="Times New Roman" panose="02020603050405020304" pitchFamily="18" charset="0"/>
+                <a:cs typeface="Times New Roman" panose="02020603050405020304" pitchFamily="18" charset="0"/>
+              </a:rPr>
+              <a:t>IN </a:t>
+            </a:r>
+            <a:r>
+              <a:rPr lang="en-US" sz="2200">
+                <a:solidFill>
+                  <a:srgbClr val="7A0029"/>
+                </a:solidFill>
+                <a:latin typeface="Times New Roman" panose="02020603050405020304" pitchFamily="18" charset="0"/>
+                <a:cs typeface="Times New Roman" panose="02020603050405020304" pitchFamily="18" charset="0"/>
+              </a:rPr>
+              <a:t>SOA </a:t>
+            </a:r>
+            <a:r>
+              <a:rPr lang="en-US" sz="2200" smtClean="0">
+                <a:solidFill>
+                  <a:srgbClr val="7A0029"/>
+                </a:solidFill>
+                <a:latin typeface="Times New Roman" panose="02020603050405020304" pitchFamily="18" charset="0"/>
+                <a:cs typeface="Times New Roman" panose="02020603050405020304" pitchFamily="18" charset="0"/>
+              </a:rPr>
+              <a:t>terminator.movie.edu. al.robocop.movie.edu.(</a:t>
+            </a:r>
+            <a:endParaRPr lang="en-US" sz="2200">
+              <a:solidFill>
+                <a:srgbClr val="7A0029"/>
+              </a:solidFill>
+              <a:latin typeface="Times New Roman" panose="02020603050405020304" pitchFamily="18" charset="0"/>
+              <a:cs typeface="Times New Roman" panose="02020603050405020304" pitchFamily="18" charset="0"/>
+            </a:endParaRPr>
+          </a:p>
+          <a:p>
+            <a:r>
+              <a:rPr lang="en-US" sz="2200" smtClean="0">
+                <a:solidFill>
+                  <a:srgbClr val="7A0029"/>
+                </a:solidFill>
+                <a:latin typeface="Times New Roman" panose="02020603050405020304" pitchFamily="18" charset="0"/>
+                <a:cs typeface="Times New Roman" panose="02020603050405020304" pitchFamily="18" charset="0"/>
+              </a:rPr>
+              <a:t>	1 </a:t>
+            </a:r>
+            <a:r>
+              <a:rPr lang="en-US" sz="2200">
+                <a:solidFill>
+                  <a:srgbClr val="7A0029"/>
+                </a:solidFill>
+                <a:latin typeface="Times New Roman" panose="02020603050405020304" pitchFamily="18" charset="0"/>
+                <a:cs typeface="Times New Roman" panose="02020603050405020304" pitchFamily="18" charset="0"/>
+              </a:rPr>
+              <a:t>; Serial</a:t>
+            </a:r>
+          </a:p>
+          <a:p>
+            <a:r>
+              <a:rPr lang="en-US" sz="2200" smtClean="0">
+                <a:solidFill>
+                  <a:srgbClr val="7A0029"/>
+                </a:solidFill>
+                <a:latin typeface="Times New Roman" panose="02020603050405020304" pitchFamily="18" charset="0"/>
+                <a:cs typeface="Times New Roman" panose="02020603050405020304" pitchFamily="18" charset="0"/>
+              </a:rPr>
+              <a:t>	3h </a:t>
+            </a:r>
+            <a:r>
+              <a:rPr lang="en-US" sz="2200">
+                <a:solidFill>
+                  <a:srgbClr val="7A0029"/>
+                </a:solidFill>
+                <a:latin typeface="Times New Roman" panose="02020603050405020304" pitchFamily="18" charset="0"/>
+                <a:cs typeface="Times New Roman" panose="02020603050405020304" pitchFamily="18" charset="0"/>
+              </a:rPr>
+              <a:t>; Refresh after 3 hours</a:t>
+            </a:r>
+          </a:p>
+          <a:p>
+            <a:r>
+              <a:rPr lang="en-US" sz="2200" smtClean="0">
+                <a:solidFill>
+                  <a:srgbClr val="7A0029"/>
+                </a:solidFill>
+                <a:latin typeface="Times New Roman" panose="02020603050405020304" pitchFamily="18" charset="0"/>
+                <a:cs typeface="Times New Roman" panose="02020603050405020304" pitchFamily="18" charset="0"/>
+              </a:rPr>
+              <a:t>	1h </a:t>
+            </a:r>
+            <a:r>
+              <a:rPr lang="en-US" sz="2200">
+                <a:solidFill>
+                  <a:srgbClr val="7A0029"/>
+                </a:solidFill>
+                <a:latin typeface="Times New Roman" panose="02020603050405020304" pitchFamily="18" charset="0"/>
+                <a:cs typeface="Times New Roman" panose="02020603050405020304" pitchFamily="18" charset="0"/>
+              </a:rPr>
+              <a:t>; Retry after 1 hour</a:t>
+            </a:r>
+          </a:p>
+          <a:p>
+            <a:r>
+              <a:rPr lang="en-US" sz="2200" smtClean="0">
+                <a:solidFill>
+                  <a:srgbClr val="7A0029"/>
+                </a:solidFill>
+                <a:latin typeface="Times New Roman" panose="02020603050405020304" pitchFamily="18" charset="0"/>
+                <a:cs typeface="Times New Roman" panose="02020603050405020304" pitchFamily="18" charset="0"/>
+              </a:rPr>
+              <a:t>	1w </a:t>
+            </a:r>
+            <a:r>
+              <a:rPr lang="en-US" sz="2200">
+                <a:solidFill>
+                  <a:srgbClr val="7A0029"/>
+                </a:solidFill>
+                <a:latin typeface="Times New Roman" panose="02020603050405020304" pitchFamily="18" charset="0"/>
+                <a:cs typeface="Times New Roman" panose="02020603050405020304" pitchFamily="18" charset="0"/>
+              </a:rPr>
+              <a:t>; Expire after 1 week</a:t>
+            </a:r>
+          </a:p>
+          <a:p>
+            <a:r>
+              <a:rPr lang="en-US" sz="2200" smtClean="0">
+                <a:solidFill>
+                  <a:srgbClr val="7A0029"/>
+                </a:solidFill>
+                <a:latin typeface="Times New Roman" panose="02020603050405020304" pitchFamily="18" charset="0"/>
+                <a:cs typeface="Times New Roman" panose="02020603050405020304" pitchFamily="18" charset="0"/>
+              </a:rPr>
+              <a:t>	1h </a:t>
+            </a:r>
+            <a:r>
+              <a:rPr lang="en-US" sz="2200">
+                <a:solidFill>
+                  <a:srgbClr val="7A0029"/>
+                </a:solidFill>
+                <a:latin typeface="Times New Roman" panose="02020603050405020304" pitchFamily="18" charset="0"/>
+                <a:cs typeface="Times New Roman" panose="02020603050405020304" pitchFamily="18" charset="0"/>
+              </a:rPr>
+              <a:t>) ; Negative caching TTL of 1 day</a:t>
+            </a:r>
+            <a:endParaRPr lang="en-US" sz="2200">
+              <a:latin typeface="Times New Roman" panose="02020603050405020304" pitchFamily="18" charset="0"/>
+              <a:cs typeface="Times New Roman" panose="02020603050405020304" pitchFamily="18" charset="0"/>
+            </a:endParaRPr>
+          </a:p>
+        </p:txBody>
+      </p:sp>
+      <p:sp>
+        <p:nvSpPr>
+          <p:cNvPr id="6" name="Rectangle 5"/>
+          <p:cNvSpPr/>
+          <p:nvPr/>
+        </p:nvSpPr>
+        <p:spPr>
+          <a:xfrm>
+            <a:off x="1987826" y="3236985"/>
+            <a:ext cx="10310191" cy="830997"/>
+          </a:xfrm>
+          <a:prstGeom prst="rect">
+            <a:avLst/>
+          </a:prstGeom>
+        </p:spPr>
+        <p:txBody>
+          <a:bodyPr wrap="square">
+            <a:spAutoFit/>
+          </a:bodyPr>
+          <a:lstStyle/>
+          <a:p>
+            <a:pPr marL="1069848" lvl="4" indent="0">
+              <a:buNone/>
+            </a:pPr>
+            <a:r>
+              <a:rPr lang="en-US" sz="2400" smtClean="0">
+                <a:solidFill>
+                  <a:srgbClr val="FF0000"/>
+                </a:solidFill>
+                <a:latin typeface="Courier New" pitchFamily="49" charset="0"/>
+                <a:cs typeface="Courier New" pitchFamily="49" charset="0"/>
+              </a:rPr>
+              <a:t>domain-name IN SOA </a:t>
+            </a:r>
+            <a:r>
+              <a:rPr lang="en-US" sz="2400">
+                <a:solidFill>
+                  <a:srgbClr val="FF0000"/>
+                </a:solidFill>
+                <a:latin typeface="Courier New" pitchFamily="49" charset="0"/>
+                <a:cs typeface="Courier New" pitchFamily="49" charset="0"/>
+              </a:rPr>
+              <a:t>mname rname (</a:t>
+            </a:r>
+          </a:p>
+          <a:p>
+            <a:pPr marL="1069848" lvl="4" indent="0">
+              <a:buNone/>
+            </a:pPr>
+            <a:r>
+              <a:rPr lang="en-US" sz="2400" smtClean="0">
+                <a:solidFill>
+                  <a:srgbClr val="FF0000"/>
+                </a:solidFill>
+                <a:latin typeface="Courier New" pitchFamily="49" charset="0"/>
+                <a:cs typeface="Courier New" pitchFamily="49" charset="0"/>
+              </a:rPr>
+              <a:t>serial refresh retry expire minimum time-to-live)</a:t>
+            </a:r>
+            <a:endParaRPr lang="en-US" sz="2400" dirty="0">
+              <a:solidFill>
+                <a:srgbClr val="FF0000"/>
+              </a:solidFill>
+              <a:latin typeface="Courier New" pitchFamily="49" charset="0"/>
+              <a:cs typeface="Courier New" pitchFamily="49" charset="0"/>
+            </a:endParaRPr>
           </a:p>
         </p:txBody>
       </p:sp>
     </p:spTree>
     <p:extLst>
       <p:ext uri="{BB962C8B-B14F-4D97-AF65-F5344CB8AC3E}">
-        <p14:creationId xmlns:p14="http://schemas.microsoft.com/office/powerpoint/2010/main" val="522593513"/>
+        <p14:creationId xmlns:p14="http://schemas.microsoft.com/office/powerpoint/2010/main" val="2696120904"/>
       </p:ext>
     </p:extLst>
   </p:cSld>
@@ -17433,46 +18087,370 @@
       </p:grpSpPr>
       <p:sp>
         <p:nvSpPr>
-          <p:cNvPr id="2" name="Title 1"/>
-          <p:cNvSpPr>
-            <a:spLocks noGrp="1"/>
+          <p:cNvPr id="4" name="Title 1"/>
+          <p:cNvSpPr txBox="1">
+            <a:spLocks/>
           </p:cNvSpPr>
-          <p:nvPr>
-            <p:ph type="title"/>
-          </p:nvPr>
+          <p:nvPr/>
         </p:nvSpPr>
-        <p:spPr/>
+        <p:spPr>
+          <a:xfrm>
+            <a:off x="1987826" y="685800"/>
+            <a:ext cx="9515198" cy="718930"/>
+          </a:xfrm>
+          <a:prstGeom prst="rect">
+            <a:avLst/>
+          </a:prstGeom>
+          <a:effectLst/>
+        </p:spPr>
         <p:txBody>
-          <a:bodyPr/>
-          <a:lstStyle/>
-          <a:p>
-            <a:endParaRPr lang="en-US"/>
+          <a:bodyPr vert="horz" lIns="91440" tIns="45720" rIns="91440" bIns="45720" rtlCol="0" anchor="ctr">
+            <a:normAutofit/>
+          </a:bodyPr>
+          <a:lstStyle>
+            <a:lvl1pPr algn="ctr">
+              <a:spcBef>
+                <a:spcPct val="0"/>
+              </a:spcBef>
+              <a:buNone/>
+              <a:defRPr sz="4000" cap="none">
+                <a:ln w="3175" cmpd="sng">
+                  <a:noFill/>
+                </a:ln>
+                <a:effectLst/>
+                <a:latin typeface="+mj-lt"/>
+                <a:ea typeface="+mj-ea"/>
+                <a:cs typeface="+mj-cs"/>
+              </a:defRPr>
+            </a:lvl1pPr>
+            <a:lvl2pPr lvl="1" algn="ctr">
+              <a:spcBef>
+                <a:spcPct val="0"/>
+              </a:spcBef>
+              <a:defRPr sz="4000" b="1">
+                <a:solidFill>
+                  <a:schemeClr val="tx2"/>
+                </a:solidFill>
+                <a:latin typeface="Times New Roman" panose="02020603050405020304" pitchFamily="18" charset="0"/>
+                <a:cs typeface="Times New Roman" panose="02020603050405020304" pitchFamily="18" charset="0"/>
+              </a:defRPr>
+            </a:lvl2pPr>
+            <a:lvl3pPr>
+              <a:defRPr>
+                <a:solidFill>
+                  <a:schemeClr val="tx2"/>
+                </a:solidFill>
+              </a:defRPr>
+            </a:lvl3pPr>
+            <a:lvl4pPr>
+              <a:defRPr>
+                <a:solidFill>
+                  <a:schemeClr val="tx2"/>
+                </a:solidFill>
+              </a:defRPr>
+            </a:lvl4pPr>
+            <a:lvl5pPr>
+              <a:defRPr>
+                <a:solidFill>
+                  <a:schemeClr val="tx2"/>
+                </a:solidFill>
+              </a:defRPr>
+            </a:lvl5pPr>
+            <a:lvl6pPr>
+              <a:defRPr>
+                <a:solidFill>
+                  <a:schemeClr val="tx2"/>
+                </a:solidFill>
+              </a:defRPr>
+            </a:lvl6pPr>
+            <a:lvl7pPr>
+              <a:defRPr>
+                <a:solidFill>
+                  <a:schemeClr val="tx2"/>
+                </a:solidFill>
+              </a:defRPr>
+            </a:lvl7pPr>
+            <a:lvl8pPr>
+              <a:defRPr>
+                <a:solidFill>
+                  <a:schemeClr val="tx2"/>
+                </a:solidFill>
+              </a:defRPr>
+            </a:lvl8pPr>
+            <a:lvl9pPr>
+              <a:defRPr>
+                <a:solidFill>
+                  <a:schemeClr val="tx2"/>
+                </a:solidFill>
+              </a:defRPr>
+            </a:lvl9pPr>
+          </a:lstStyle>
+          <a:p>
+            <a:pPr lvl="1"/>
+            <a:r>
+              <a:rPr lang="en-CA"/>
+              <a:t>Important DNS </a:t>
+            </a:r>
+            <a:r>
+              <a:rPr lang="en-CA" smtClean="0"/>
+              <a:t>terminology</a:t>
+            </a:r>
+            <a:endParaRPr lang="en-CA" dirty="0"/>
           </a:p>
         </p:txBody>
       </p:sp>
       <p:sp>
         <p:nvSpPr>
-          <p:cNvPr id="3" name="Content Placeholder 2"/>
-          <p:cNvSpPr>
-            <a:spLocks noGrp="1"/>
-          </p:cNvSpPr>
-          <p:nvPr>
-            <p:ph idx="1"/>
-          </p:nvPr>
+          <p:cNvPr id="5" name="Rectangle 4"/>
+          <p:cNvSpPr/>
+          <p:nvPr/>
         </p:nvSpPr>
-        <p:spPr/>
+        <p:spPr>
+          <a:xfrm>
+            <a:off x="2282430" y="1667325"/>
+            <a:ext cx="2665473" cy="461665"/>
+          </a:xfrm>
+          <a:prstGeom prst="rect">
+            <a:avLst/>
+          </a:prstGeom>
+        </p:spPr>
         <p:txBody>
-          <a:bodyPr/>
+          <a:bodyPr wrap="none">
+            <a:spAutoFit/>
+          </a:bodyPr>
           <a:lstStyle/>
           <a:p>
-            <a:endParaRPr lang="en-US"/>
+            <a:pPr marL="703263" lvl="1" indent="-533400">
+              <a:spcBef>
+                <a:spcPct val="20000"/>
+              </a:spcBef>
+              <a:spcAft>
+                <a:spcPts val="600"/>
+              </a:spcAft>
+              <a:buClr>
+                <a:schemeClr val="accent1">
+                  <a:lumMod val="75000"/>
+                </a:schemeClr>
+              </a:buClr>
+              <a:buSzPct val="145000"/>
+              <a:buFont typeface="Arial"/>
+              <a:buChar char="•"/>
+              <a:defRPr/>
+            </a:pPr>
+            <a:r>
+              <a:rPr lang="en-US" sz="2400" b="1">
+                <a:latin typeface="Times New Roman" panose="02020603050405020304" pitchFamily="18" charset="0"/>
+                <a:cs typeface="Times New Roman" panose="02020603050405020304" pitchFamily="18" charset="0"/>
+              </a:rPr>
+              <a:t>SOA Records</a:t>
+            </a:r>
+          </a:p>
+        </p:txBody>
+      </p:sp>
+      <p:sp>
+        <p:nvSpPr>
+          <p:cNvPr id="2" name="Rectangle 1"/>
+          <p:cNvSpPr/>
+          <p:nvPr/>
+        </p:nvSpPr>
+        <p:spPr>
+          <a:xfrm>
+            <a:off x="1789044" y="2056686"/>
+            <a:ext cx="10048136" cy="3785652"/>
+          </a:xfrm>
+          <a:prstGeom prst="rect">
+            <a:avLst/>
+          </a:prstGeom>
+        </p:spPr>
+        <p:txBody>
+          <a:bodyPr wrap="square">
+            <a:spAutoFit/>
+          </a:bodyPr>
+          <a:lstStyle/>
+          <a:p>
+            <a:pPr marL="1131062" lvl="3" indent="-285750" algn="just">
+              <a:buFont typeface="Wingdings" panose="05000000000000000000" pitchFamily="2" charset="2"/>
+              <a:buChar char="§"/>
+            </a:pPr>
+            <a:r>
+              <a:rPr lang="en-US" b="1">
+                <a:latin typeface="Times New Roman" panose="02020603050405020304" pitchFamily="18" charset="0"/>
+                <a:cs typeface="Times New Roman" panose="02020603050405020304" pitchFamily="18" charset="0"/>
+              </a:rPr>
+              <a:t>domain-name</a:t>
+            </a:r>
+            <a:r>
+              <a:rPr lang="en-US">
+                <a:latin typeface="Times New Roman" panose="02020603050405020304" pitchFamily="18" charset="0"/>
+                <a:cs typeface="Times New Roman" panose="02020603050405020304" pitchFamily="18" charset="0"/>
+              </a:rPr>
+              <a:t>: domain name of this zone</a:t>
+            </a:r>
+          </a:p>
+          <a:p>
+            <a:pPr marL="1131062" lvl="3" indent="-285750" algn="just">
+              <a:buFont typeface="Wingdings" panose="05000000000000000000" pitchFamily="2" charset="2"/>
+              <a:buChar char="§"/>
+            </a:pPr>
+            <a:r>
+              <a:rPr lang="en-US" b="1">
+                <a:latin typeface="Times New Roman" panose="02020603050405020304" pitchFamily="18" charset="0"/>
+                <a:cs typeface="Times New Roman" panose="02020603050405020304" pitchFamily="18" charset="0"/>
+              </a:rPr>
+              <a:t>mname</a:t>
+            </a:r>
+            <a:r>
+              <a:rPr lang="en-US">
+                <a:latin typeface="Times New Roman" panose="02020603050405020304" pitchFamily="18" charset="0"/>
+                <a:cs typeface="Times New Roman" panose="02020603050405020304" pitchFamily="18" charset="0"/>
+              </a:rPr>
+              <a:t>: domain name of the name server that was the original or primary (master) source of data for this zone.</a:t>
+            </a:r>
+          </a:p>
+          <a:p>
+            <a:pPr marL="1131062" lvl="3" indent="-285750" algn="just">
+              <a:buFont typeface="Wingdings" panose="05000000000000000000" pitchFamily="2" charset="2"/>
+              <a:buChar char="§"/>
+            </a:pPr>
+            <a:r>
+              <a:rPr lang="en-US" b="1">
+                <a:latin typeface="Times New Roman" panose="02020603050405020304" pitchFamily="18" charset="0"/>
+                <a:cs typeface="Times New Roman" panose="02020603050405020304" pitchFamily="18" charset="0"/>
+              </a:rPr>
+              <a:t>rname</a:t>
+            </a:r>
+            <a:r>
+              <a:rPr lang="en-US">
+                <a:latin typeface="Times New Roman" panose="02020603050405020304" pitchFamily="18" charset="0"/>
+                <a:cs typeface="Times New Roman" panose="02020603050405020304" pitchFamily="18" charset="0"/>
+              </a:rPr>
+              <a:t>: the mailbox of the person responsible for this zone (a "." is used instead of an "@“)</a:t>
+            </a:r>
+          </a:p>
+          <a:p>
+            <a:pPr marL="1131062" lvl="3" indent="-285750" algn="just">
+              <a:buFont typeface="Wingdings" panose="05000000000000000000" pitchFamily="2" charset="2"/>
+              <a:buChar char="§"/>
+            </a:pPr>
+            <a:r>
+              <a:rPr lang="en-US" b="1">
+                <a:latin typeface="Times New Roman" panose="02020603050405020304" pitchFamily="18" charset="0"/>
+                <a:cs typeface="Times New Roman" panose="02020603050405020304" pitchFamily="18" charset="0"/>
+              </a:rPr>
+              <a:t>serial</a:t>
+            </a:r>
+            <a:r>
+              <a:rPr lang="en-US">
+                <a:latin typeface="Times New Roman" panose="02020603050405020304" pitchFamily="18" charset="0"/>
+                <a:cs typeface="Times New Roman" panose="02020603050405020304" pitchFamily="18" charset="0"/>
+              </a:rPr>
+              <a:t>: version number of the original copy of the zone.  Zone transfers preserve this value</a:t>
+            </a:r>
+          </a:p>
+          <a:p>
+            <a:pPr marL="1131062" lvl="3" indent="-285750" algn="just">
+              <a:buFont typeface="Wingdings" panose="05000000000000000000" pitchFamily="2" charset="2"/>
+              <a:buChar char="§"/>
+            </a:pPr>
+            <a:r>
+              <a:rPr lang="en-US" b="1">
+                <a:latin typeface="Times New Roman" panose="02020603050405020304" pitchFamily="18" charset="0"/>
+                <a:cs typeface="Times New Roman" panose="02020603050405020304" pitchFamily="18" charset="0"/>
+              </a:rPr>
+              <a:t>refresh</a:t>
+            </a:r>
+            <a:r>
+              <a:rPr lang="en-US">
+                <a:latin typeface="Times New Roman" panose="02020603050405020304" pitchFamily="18" charset="0"/>
+                <a:cs typeface="Times New Roman" panose="02020603050405020304" pitchFamily="18" charset="0"/>
+              </a:rPr>
+              <a:t>: the time (in seconds) a secondary DNS server waits before querying the primary DNS server's SOA record to check for changes and request a zone transfer</a:t>
+            </a:r>
+          </a:p>
+          <a:p>
+            <a:pPr marL="1131062" lvl="3" indent="-285750" algn="just">
+              <a:buFont typeface="Wingdings" panose="05000000000000000000" pitchFamily="2" charset="2"/>
+              <a:buChar char="§"/>
+            </a:pPr>
+            <a:r>
+              <a:rPr lang="en-US" b="1">
+                <a:latin typeface="Times New Roman" panose="02020603050405020304" pitchFamily="18" charset="0"/>
+                <a:cs typeface="Times New Roman" panose="02020603050405020304" pitchFamily="18" charset="0"/>
+              </a:rPr>
+              <a:t>retry</a:t>
+            </a:r>
+            <a:r>
+              <a:rPr lang="en-US">
+                <a:latin typeface="Times New Roman" panose="02020603050405020304" pitchFamily="18" charset="0"/>
+                <a:cs typeface="Times New Roman" panose="02020603050405020304" pitchFamily="18" charset="0"/>
+              </a:rPr>
+              <a:t>: the time (in seconds) a secondary server waits before retrying a failed zone transfer</a:t>
+            </a:r>
+          </a:p>
+          <a:p>
+            <a:pPr marL="1131062" lvl="3" indent="-285750" algn="just">
+              <a:buFont typeface="Wingdings" panose="05000000000000000000" pitchFamily="2" charset="2"/>
+              <a:buChar char="§"/>
+            </a:pPr>
+            <a:r>
+              <a:rPr lang="en-US" b="1">
+                <a:latin typeface="Times New Roman" panose="02020603050405020304" pitchFamily="18" charset="0"/>
+                <a:cs typeface="Times New Roman" panose="02020603050405020304" pitchFamily="18" charset="0"/>
+              </a:rPr>
+              <a:t>expire</a:t>
+            </a:r>
+            <a:r>
+              <a:rPr lang="en-US">
+                <a:latin typeface="Times New Roman" panose="02020603050405020304" pitchFamily="18" charset="0"/>
+                <a:cs typeface="Times New Roman" panose="02020603050405020304" pitchFamily="18" charset="0"/>
+              </a:rPr>
+              <a:t>: the time (in seconds) that a secondary server will keep trying to complete a zone transfer, if this time expires prior to a successful zone transfer, the secondary server will expire its zone file (i.e., it will stop answering queries)</a:t>
+            </a:r>
+          </a:p>
+          <a:p>
+            <a:pPr marL="1131062" lvl="3" indent="-285750" algn="just">
+              <a:buFont typeface="Wingdings" panose="05000000000000000000" pitchFamily="2" charset="2"/>
+              <a:buChar char="§"/>
+            </a:pPr>
+            <a:r>
+              <a:rPr lang="en-US" b="1">
+                <a:latin typeface="Times New Roman" panose="02020603050405020304" pitchFamily="18" charset="0"/>
+                <a:cs typeface="Times New Roman" panose="02020603050405020304" pitchFamily="18" charset="0"/>
+              </a:rPr>
+              <a:t>minimum </a:t>
+            </a:r>
+            <a:r>
+              <a:rPr lang="en-US" b="1" smtClean="0">
+                <a:latin typeface="Times New Roman" panose="02020603050405020304" pitchFamily="18" charset="0"/>
+                <a:cs typeface="Times New Roman" panose="02020603050405020304" pitchFamily="18" charset="0"/>
+              </a:rPr>
+              <a:t>time-to-live</a:t>
+            </a:r>
+            <a:r>
+              <a:rPr lang="en-US" smtClean="0">
+                <a:latin typeface="Times New Roman" panose="02020603050405020304" pitchFamily="18" charset="0"/>
+                <a:cs typeface="Times New Roman" panose="02020603050405020304" pitchFamily="18" charset="0"/>
+              </a:rPr>
+              <a:t>: </a:t>
+            </a:r>
+            <a:r>
+              <a:rPr lang="en-US">
+                <a:latin typeface="Times New Roman" panose="02020603050405020304" pitchFamily="18" charset="0"/>
+                <a:cs typeface="Times New Roman" panose="02020603050405020304" pitchFamily="18" charset="0"/>
+              </a:rPr>
+              <a:t>The Minimum Time to Live is the number of seconds an external caching </a:t>
+            </a:r>
+            <a:endParaRPr lang="en-US" dirty="0">
+              <a:latin typeface="Times New Roman" panose="02020603050405020304" pitchFamily="18" charset="0"/>
+              <a:cs typeface="Times New Roman" panose="02020603050405020304" pitchFamily="18" charset="0"/>
+            </a:endParaRPr>
           </a:p>
         </p:txBody>
       </p:sp>
     </p:spTree>
     <p:extLst>
       <p:ext uri="{BB962C8B-B14F-4D97-AF65-F5344CB8AC3E}">
-        <p14:creationId xmlns:p14="http://schemas.microsoft.com/office/powerpoint/2010/main" val="3324523110"/>
+        <p14:creationId xmlns:p14="http://schemas.microsoft.com/office/powerpoint/2010/main" val="522593513"/>
       </p:ext>
     </p:extLst>
   </p:cSld>
@@ -17701,6 +18679,1734 @@
       </p:grpSpPr>
       <p:sp>
         <p:nvSpPr>
+          <p:cNvPr id="4" name="Title 1"/>
+          <p:cNvSpPr txBox="1">
+            <a:spLocks/>
+          </p:cNvSpPr>
+          <p:nvPr/>
+        </p:nvSpPr>
+        <p:spPr>
+          <a:xfrm>
+            <a:off x="1987826" y="685800"/>
+            <a:ext cx="9515198" cy="718930"/>
+          </a:xfrm>
+          <a:prstGeom prst="rect">
+            <a:avLst/>
+          </a:prstGeom>
+          <a:effectLst/>
+        </p:spPr>
+        <p:txBody>
+          <a:bodyPr vert="horz" lIns="91440" tIns="45720" rIns="91440" bIns="45720" rtlCol="0" anchor="ctr">
+            <a:normAutofit/>
+          </a:bodyPr>
+          <a:lstStyle>
+            <a:lvl1pPr algn="ctr">
+              <a:spcBef>
+                <a:spcPct val="0"/>
+              </a:spcBef>
+              <a:buNone/>
+              <a:defRPr sz="4000" cap="none">
+                <a:ln w="3175" cmpd="sng">
+                  <a:noFill/>
+                </a:ln>
+                <a:effectLst/>
+                <a:latin typeface="+mj-lt"/>
+                <a:ea typeface="+mj-ea"/>
+                <a:cs typeface="+mj-cs"/>
+              </a:defRPr>
+            </a:lvl1pPr>
+            <a:lvl2pPr lvl="1" algn="ctr">
+              <a:spcBef>
+                <a:spcPct val="0"/>
+              </a:spcBef>
+              <a:defRPr sz="4000" b="1">
+                <a:solidFill>
+                  <a:schemeClr val="tx2"/>
+                </a:solidFill>
+                <a:latin typeface="Times New Roman" panose="02020603050405020304" pitchFamily="18" charset="0"/>
+                <a:cs typeface="Times New Roman" panose="02020603050405020304" pitchFamily="18" charset="0"/>
+              </a:defRPr>
+            </a:lvl2pPr>
+            <a:lvl3pPr>
+              <a:defRPr>
+                <a:solidFill>
+                  <a:schemeClr val="tx2"/>
+                </a:solidFill>
+              </a:defRPr>
+            </a:lvl3pPr>
+            <a:lvl4pPr>
+              <a:defRPr>
+                <a:solidFill>
+                  <a:schemeClr val="tx2"/>
+                </a:solidFill>
+              </a:defRPr>
+            </a:lvl4pPr>
+            <a:lvl5pPr>
+              <a:defRPr>
+                <a:solidFill>
+                  <a:schemeClr val="tx2"/>
+                </a:solidFill>
+              </a:defRPr>
+            </a:lvl5pPr>
+            <a:lvl6pPr>
+              <a:defRPr>
+                <a:solidFill>
+                  <a:schemeClr val="tx2"/>
+                </a:solidFill>
+              </a:defRPr>
+            </a:lvl6pPr>
+            <a:lvl7pPr>
+              <a:defRPr>
+                <a:solidFill>
+                  <a:schemeClr val="tx2"/>
+                </a:solidFill>
+              </a:defRPr>
+            </a:lvl7pPr>
+            <a:lvl8pPr>
+              <a:defRPr>
+                <a:solidFill>
+                  <a:schemeClr val="tx2"/>
+                </a:solidFill>
+              </a:defRPr>
+            </a:lvl8pPr>
+            <a:lvl9pPr>
+              <a:defRPr>
+                <a:solidFill>
+                  <a:schemeClr val="tx2"/>
+                </a:solidFill>
+              </a:defRPr>
+            </a:lvl9pPr>
+          </a:lstStyle>
+          <a:p>
+            <a:pPr lvl="1"/>
+            <a:r>
+              <a:rPr lang="en-CA"/>
+              <a:t>Important DNS </a:t>
+            </a:r>
+            <a:r>
+              <a:rPr lang="en-CA" smtClean="0"/>
+              <a:t>terminology</a:t>
+            </a:r>
+            <a:endParaRPr lang="en-CA" dirty="0"/>
+          </a:p>
+        </p:txBody>
+      </p:sp>
+      <p:sp>
+        <p:nvSpPr>
+          <p:cNvPr id="5" name="Rectangle 4"/>
+          <p:cNvSpPr/>
+          <p:nvPr/>
+        </p:nvSpPr>
+        <p:spPr>
+          <a:xfrm>
+            <a:off x="2282430" y="1667325"/>
+            <a:ext cx="5591146" cy="461665"/>
+          </a:xfrm>
+          <a:prstGeom prst="rect">
+            <a:avLst/>
+          </a:prstGeom>
+        </p:spPr>
+        <p:txBody>
+          <a:bodyPr wrap="none">
+            <a:spAutoFit/>
+          </a:bodyPr>
+          <a:lstStyle/>
+          <a:p>
+            <a:pPr marL="703263" lvl="1" indent="-533400">
+              <a:spcBef>
+                <a:spcPct val="20000"/>
+              </a:spcBef>
+              <a:spcAft>
+                <a:spcPts val="600"/>
+              </a:spcAft>
+              <a:buClr>
+                <a:schemeClr val="accent1">
+                  <a:lumMod val="75000"/>
+                </a:schemeClr>
+              </a:buClr>
+              <a:buSzPct val="145000"/>
+              <a:buFont typeface="Arial"/>
+              <a:buChar char="•"/>
+              <a:defRPr/>
+            </a:pPr>
+            <a:r>
+              <a:rPr lang="en-US" sz="2400" b="1" smtClean="0">
+                <a:latin typeface="Times New Roman" panose="02020603050405020304" pitchFamily="18" charset="0"/>
+                <a:cs typeface="Times New Roman" panose="02020603050405020304" pitchFamily="18" charset="0"/>
+              </a:rPr>
+              <a:t>NS Records (Name Server Records)</a:t>
+            </a:r>
+            <a:endParaRPr lang="en-US" sz="2400" b="1">
+              <a:latin typeface="Times New Roman" panose="02020603050405020304" pitchFamily="18" charset="0"/>
+              <a:cs typeface="Times New Roman" panose="02020603050405020304" pitchFamily="18" charset="0"/>
+            </a:endParaRPr>
+          </a:p>
+        </p:txBody>
+      </p:sp>
+      <p:sp>
+        <p:nvSpPr>
+          <p:cNvPr id="6" name="Rectangle 5"/>
+          <p:cNvSpPr/>
+          <p:nvPr/>
+        </p:nvSpPr>
+        <p:spPr>
+          <a:xfrm>
+            <a:off x="2765823" y="2128990"/>
+            <a:ext cx="8445516" cy="2862322"/>
+          </a:xfrm>
+          <a:prstGeom prst="rect">
+            <a:avLst/>
+          </a:prstGeom>
+        </p:spPr>
+        <p:txBody>
+          <a:bodyPr wrap="square">
+            <a:spAutoFit/>
+          </a:bodyPr>
+          <a:lstStyle/>
+          <a:p>
+            <a:pPr marL="342900" indent="-342900" algn="just">
+              <a:buFont typeface="Wingdings" panose="05000000000000000000" pitchFamily="2" charset="2"/>
+              <a:buChar char="§"/>
+            </a:pPr>
+            <a:r>
+              <a:rPr lang="en-US" sz="2400">
+                <a:latin typeface="Times New Roman" panose="02020603050405020304" pitchFamily="18" charset="0"/>
+                <a:cs typeface="Times New Roman" panose="02020603050405020304" pitchFamily="18" charset="0"/>
+              </a:rPr>
+              <a:t>Indicates the servers that are authoritative for a </a:t>
+            </a:r>
+            <a:r>
+              <a:rPr lang="en-US" sz="2400">
+                <a:latin typeface="Times New Roman" panose="02020603050405020304" pitchFamily="18" charset="0"/>
+                <a:cs typeface="Times New Roman" panose="02020603050405020304" pitchFamily="18" charset="0"/>
+              </a:rPr>
+              <a:t>zone</a:t>
+            </a:r>
+            <a:r>
+              <a:rPr lang="en-US" sz="2400" smtClean="0">
+                <a:latin typeface="Times New Roman" panose="02020603050405020304" pitchFamily="18" charset="0"/>
+                <a:cs typeface="Times New Roman" panose="02020603050405020304" pitchFamily="18" charset="0"/>
+              </a:rPr>
+              <a:t>.</a:t>
+            </a:r>
+          </a:p>
+          <a:p>
+            <a:pPr marL="342900" indent="-342900" algn="just">
+              <a:buFont typeface="Wingdings" panose="05000000000000000000" pitchFamily="2" charset="2"/>
+              <a:buChar char="§"/>
+            </a:pPr>
+            <a:r>
+              <a:rPr lang="en-US" sz="2400" smtClean="0">
+                <a:latin typeface="Times New Roman" panose="02020603050405020304" pitchFamily="18" charset="0"/>
+                <a:cs typeface="Times New Roman" panose="02020603050405020304" pitchFamily="18" charset="0"/>
+              </a:rPr>
+              <a:t>NS </a:t>
+            </a:r>
+            <a:r>
+              <a:rPr lang="en-US" sz="2400">
+                <a:latin typeface="Times New Roman" panose="02020603050405020304" pitchFamily="18" charset="0"/>
+                <a:cs typeface="Times New Roman" panose="02020603050405020304" pitchFamily="18" charset="0"/>
+              </a:rPr>
+              <a:t>records indicate primary and secondary servers for the zone specified in the SOA resource record, and they indicate the servers for any delegated zones. </a:t>
+            </a:r>
+          </a:p>
+          <a:p>
+            <a:pPr marL="342900" indent="-342900" algn="just">
+              <a:buFont typeface="Wingdings" panose="05000000000000000000" pitchFamily="2" charset="2"/>
+              <a:buChar char="§"/>
+            </a:pPr>
+            <a:r>
+              <a:rPr lang="en-US" sz="2400" smtClean="0">
+                <a:latin typeface="Times New Roman" panose="02020603050405020304" pitchFamily="18" charset="0"/>
+                <a:cs typeface="Times New Roman" panose="02020603050405020304" pitchFamily="18" charset="0"/>
+              </a:rPr>
+              <a:t>Every </a:t>
+            </a:r>
+            <a:r>
+              <a:rPr lang="en-US" sz="2400">
+                <a:latin typeface="Times New Roman" panose="02020603050405020304" pitchFamily="18" charset="0"/>
+                <a:cs typeface="Times New Roman" panose="02020603050405020304" pitchFamily="18" charset="0"/>
+              </a:rPr>
+              <a:t>zone must contain at least one NS record at the zone </a:t>
+            </a:r>
+            <a:r>
+              <a:rPr lang="en-US" sz="2400">
+                <a:latin typeface="Times New Roman" panose="02020603050405020304" pitchFamily="18" charset="0"/>
+                <a:cs typeface="Times New Roman" panose="02020603050405020304" pitchFamily="18" charset="0"/>
+              </a:rPr>
+              <a:t>root</a:t>
+            </a:r>
+            <a:r>
+              <a:rPr lang="en-US" sz="2400" smtClean="0">
+                <a:latin typeface="Times New Roman" panose="02020603050405020304" pitchFamily="18" charset="0"/>
+                <a:cs typeface="Times New Roman" panose="02020603050405020304" pitchFamily="18" charset="0"/>
+              </a:rPr>
+              <a:t>.</a:t>
+            </a:r>
+          </a:p>
+          <a:p>
+            <a:pPr marL="342900" indent="-342900" algn="just">
+              <a:buFont typeface="Wingdings" panose="05000000000000000000" pitchFamily="2" charset="2"/>
+              <a:buChar char="§"/>
+            </a:pPr>
+            <a:r>
+              <a:rPr lang="en-US" sz="2400">
+                <a:latin typeface="Times New Roman" panose="02020603050405020304" pitchFamily="18" charset="0"/>
+                <a:cs typeface="Times New Roman" panose="02020603050405020304" pitchFamily="18" charset="0"/>
+              </a:rPr>
+              <a:t>Eg. The </a:t>
+            </a:r>
+            <a:r>
+              <a:rPr lang="en-US" sz="2400">
+                <a:latin typeface="Times New Roman" panose="02020603050405020304" pitchFamily="18" charset="0"/>
+                <a:cs typeface="Times New Roman" panose="02020603050405020304" pitchFamily="18" charset="0"/>
+              </a:rPr>
+              <a:t>record</a:t>
+            </a:r>
+            <a:r>
+              <a:rPr lang="en-US" sz="2400" smtClean="0">
+                <a:latin typeface="Times New Roman" panose="02020603050405020304" pitchFamily="18" charset="0"/>
+                <a:cs typeface="Times New Roman" panose="02020603050405020304" pitchFamily="18" charset="0"/>
+              </a:rPr>
+              <a:t>:</a:t>
+            </a:r>
+            <a:endParaRPr lang="en-US" sz="2400">
+              <a:latin typeface="Times New Roman" panose="02020603050405020304" pitchFamily="18" charset="0"/>
+              <a:cs typeface="Times New Roman" panose="02020603050405020304" pitchFamily="18" charset="0"/>
+            </a:endParaRPr>
+          </a:p>
+          <a:p>
+            <a:pPr lvl="2"/>
+            <a:r>
+              <a:rPr lang="en-US"/>
+              <a:t>movie.edu. IN NS terminator.movie.edu.</a:t>
+            </a:r>
+          </a:p>
+          <a:p>
+            <a:pPr lvl="2"/>
+            <a:r>
+              <a:rPr lang="en-US"/>
+              <a:t>movie.edu. IN NS wormhole.movie.edu.</a:t>
+            </a:r>
+            <a:endParaRPr lang="en-US" sz="5400">
+              <a:latin typeface="Times New Roman" panose="02020603050405020304" pitchFamily="18" charset="0"/>
+              <a:cs typeface="Times New Roman" panose="02020603050405020304" pitchFamily="18" charset="0"/>
+            </a:endParaRPr>
+          </a:p>
+        </p:txBody>
+      </p:sp>
+    </p:spTree>
+    <p:extLst>
+      <p:ext uri="{BB962C8B-B14F-4D97-AF65-F5344CB8AC3E}">
+        <p14:creationId xmlns:p14="http://schemas.microsoft.com/office/powerpoint/2010/main" val="3324523110"/>
+      </p:ext>
+    </p:extLst>
+  </p:cSld>
+  <p:clrMapOvr>
+    <a:masterClrMapping/>
+  </p:clrMapOvr>
+</p:sld>
+</file>
+
+<file path=ppt/slides/slide21.xml><?xml version="1.0" encoding="utf-8"?>
+<p:sld xmlns:a="http://schemas.openxmlformats.org/drawingml/2006/main" xmlns:r="http://schemas.openxmlformats.org/officeDocument/2006/relationships" xmlns:p="http://schemas.openxmlformats.org/presentationml/2006/main">
+  <p:cSld>
+    <p:spTree>
+      <p:nvGrpSpPr>
+        <p:cNvPr id="1" name=""/>
+        <p:cNvGrpSpPr/>
+        <p:nvPr/>
+      </p:nvGrpSpPr>
+      <p:grpSpPr>
+        <a:xfrm>
+          <a:off x="0" y="0"/>
+          <a:ext cx="0" cy="0"/>
+          <a:chOff x="0" y="0"/>
+          <a:chExt cx="0" cy="0"/>
+        </a:xfrm>
+      </p:grpSpPr>
+      <p:sp>
+        <p:nvSpPr>
+          <p:cNvPr id="4" name="Title 1"/>
+          <p:cNvSpPr txBox="1">
+            <a:spLocks/>
+          </p:cNvSpPr>
+          <p:nvPr/>
+        </p:nvSpPr>
+        <p:spPr>
+          <a:xfrm>
+            <a:off x="1987826" y="685800"/>
+            <a:ext cx="9515198" cy="718930"/>
+          </a:xfrm>
+          <a:prstGeom prst="rect">
+            <a:avLst/>
+          </a:prstGeom>
+          <a:effectLst/>
+        </p:spPr>
+        <p:txBody>
+          <a:bodyPr vert="horz" lIns="91440" tIns="45720" rIns="91440" bIns="45720" rtlCol="0" anchor="ctr">
+            <a:normAutofit/>
+          </a:bodyPr>
+          <a:lstStyle>
+            <a:lvl1pPr algn="ctr">
+              <a:spcBef>
+                <a:spcPct val="0"/>
+              </a:spcBef>
+              <a:buNone/>
+              <a:defRPr sz="4000" cap="none">
+                <a:ln w="3175" cmpd="sng">
+                  <a:noFill/>
+                </a:ln>
+                <a:effectLst/>
+                <a:latin typeface="+mj-lt"/>
+                <a:ea typeface="+mj-ea"/>
+                <a:cs typeface="+mj-cs"/>
+              </a:defRPr>
+            </a:lvl1pPr>
+            <a:lvl2pPr lvl="1" algn="ctr">
+              <a:spcBef>
+                <a:spcPct val="0"/>
+              </a:spcBef>
+              <a:defRPr sz="4000" b="1">
+                <a:solidFill>
+                  <a:schemeClr val="tx2"/>
+                </a:solidFill>
+                <a:latin typeface="Times New Roman" panose="02020603050405020304" pitchFamily="18" charset="0"/>
+                <a:cs typeface="Times New Roman" panose="02020603050405020304" pitchFamily="18" charset="0"/>
+              </a:defRPr>
+            </a:lvl2pPr>
+            <a:lvl3pPr>
+              <a:defRPr>
+                <a:solidFill>
+                  <a:schemeClr val="tx2"/>
+                </a:solidFill>
+              </a:defRPr>
+            </a:lvl3pPr>
+            <a:lvl4pPr>
+              <a:defRPr>
+                <a:solidFill>
+                  <a:schemeClr val="tx2"/>
+                </a:solidFill>
+              </a:defRPr>
+            </a:lvl4pPr>
+            <a:lvl5pPr>
+              <a:defRPr>
+                <a:solidFill>
+                  <a:schemeClr val="tx2"/>
+                </a:solidFill>
+              </a:defRPr>
+            </a:lvl5pPr>
+            <a:lvl6pPr>
+              <a:defRPr>
+                <a:solidFill>
+                  <a:schemeClr val="tx2"/>
+                </a:solidFill>
+              </a:defRPr>
+            </a:lvl6pPr>
+            <a:lvl7pPr>
+              <a:defRPr>
+                <a:solidFill>
+                  <a:schemeClr val="tx2"/>
+                </a:solidFill>
+              </a:defRPr>
+            </a:lvl7pPr>
+            <a:lvl8pPr>
+              <a:defRPr>
+                <a:solidFill>
+                  <a:schemeClr val="tx2"/>
+                </a:solidFill>
+              </a:defRPr>
+            </a:lvl8pPr>
+            <a:lvl9pPr>
+              <a:defRPr>
+                <a:solidFill>
+                  <a:schemeClr val="tx2"/>
+                </a:solidFill>
+              </a:defRPr>
+            </a:lvl9pPr>
+          </a:lstStyle>
+          <a:p>
+            <a:pPr lvl="1"/>
+            <a:r>
+              <a:rPr lang="en-CA"/>
+              <a:t>Important DNS </a:t>
+            </a:r>
+            <a:r>
+              <a:rPr lang="en-CA" smtClean="0"/>
+              <a:t>terminology</a:t>
+            </a:r>
+            <a:endParaRPr lang="en-CA" dirty="0"/>
+          </a:p>
+        </p:txBody>
+      </p:sp>
+      <p:sp>
+        <p:nvSpPr>
+          <p:cNvPr id="5" name="Rectangle 4"/>
+          <p:cNvSpPr/>
+          <p:nvPr/>
+        </p:nvSpPr>
+        <p:spPr>
+          <a:xfrm>
+            <a:off x="2282430" y="1667325"/>
+            <a:ext cx="4764638" cy="461665"/>
+          </a:xfrm>
+          <a:prstGeom prst="rect">
+            <a:avLst/>
+          </a:prstGeom>
+        </p:spPr>
+        <p:txBody>
+          <a:bodyPr wrap="none">
+            <a:spAutoFit/>
+          </a:bodyPr>
+          <a:lstStyle/>
+          <a:p>
+            <a:pPr marL="703263" lvl="1" indent="-533400">
+              <a:spcBef>
+                <a:spcPct val="20000"/>
+              </a:spcBef>
+              <a:spcAft>
+                <a:spcPts val="600"/>
+              </a:spcAft>
+              <a:buClr>
+                <a:schemeClr val="accent1">
+                  <a:lumMod val="75000"/>
+                </a:schemeClr>
+              </a:buClr>
+              <a:buSzPct val="145000"/>
+              <a:buFont typeface="Arial"/>
+              <a:buChar char="•"/>
+              <a:defRPr/>
+            </a:pPr>
+            <a:r>
+              <a:rPr lang="en-US" sz="2400" b="1">
+                <a:latin typeface="Times New Roman" panose="02020603050405020304" pitchFamily="18" charset="0"/>
+                <a:cs typeface="Times New Roman" panose="02020603050405020304" pitchFamily="18" charset="0"/>
+              </a:rPr>
+              <a:t>A</a:t>
+            </a:r>
+            <a:r>
+              <a:rPr lang="en-US" sz="2400" b="1" smtClean="0">
+                <a:latin typeface="Times New Roman" panose="02020603050405020304" pitchFamily="18" charset="0"/>
+                <a:cs typeface="Times New Roman" panose="02020603050405020304" pitchFamily="18" charset="0"/>
+              </a:rPr>
+              <a:t> Records (Address Records)</a:t>
+            </a:r>
+            <a:endParaRPr lang="en-US" sz="2400" b="1">
+              <a:latin typeface="Times New Roman" panose="02020603050405020304" pitchFamily="18" charset="0"/>
+              <a:cs typeface="Times New Roman" panose="02020603050405020304" pitchFamily="18" charset="0"/>
+            </a:endParaRPr>
+          </a:p>
+        </p:txBody>
+      </p:sp>
+      <p:sp>
+        <p:nvSpPr>
+          <p:cNvPr id="6" name="Rectangle 5"/>
+          <p:cNvSpPr/>
+          <p:nvPr/>
+        </p:nvSpPr>
+        <p:spPr>
+          <a:xfrm>
+            <a:off x="2835965" y="2128990"/>
+            <a:ext cx="8667059" cy="1200329"/>
+          </a:xfrm>
+          <a:prstGeom prst="rect">
+            <a:avLst/>
+          </a:prstGeom>
+        </p:spPr>
+        <p:txBody>
+          <a:bodyPr wrap="square">
+            <a:spAutoFit/>
+          </a:bodyPr>
+          <a:lstStyle/>
+          <a:p>
+            <a:pPr marL="0" lvl="2"/>
+            <a:r>
+              <a:rPr lang="en-US" sz="2400">
+                <a:latin typeface="Times New Roman" panose="02020603050405020304" pitchFamily="18" charset="0"/>
+                <a:cs typeface="Times New Roman" panose="02020603050405020304" pitchFamily="18" charset="0"/>
+              </a:rPr>
+              <a:t>Maps an FQDN to an </a:t>
+            </a:r>
+            <a:r>
+              <a:rPr lang="en-US" sz="2400">
+                <a:latin typeface="Times New Roman" panose="02020603050405020304" pitchFamily="18" charset="0"/>
+                <a:cs typeface="Times New Roman" panose="02020603050405020304" pitchFamily="18" charset="0"/>
+              </a:rPr>
+              <a:t>IPv4 </a:t>
+            </a:r>
+            <a:r>
+              <a:rPr lang="en-US" sz="2400" smtClean="0">
+                <a:latin typeface="Times New Roman" panose="02020603050405020304" pitchFamily="18" charset="0"/>
+                <a:cs typeface="Times New Roman" panose="02020603050405020304" pitchFamily="18" charset="0"/>
+              </a:rPr>
+              <a:t>address.</a:t>
+            </a:r>
+          </a:p>
+          <a:p>
+            <a:pPr marL="0" lvl="2"/>
+            <a:r>
+              <a:rPr lang="en-US" sz="2400">
+                <a:latin typeface="Times New Roman" panose="02020603050405020304" pitchFamily="18" charset="0"/>
+                <a:cs typeface="Times New Roman" panose="02020603050405020304" pitchFamily="18" charset="0"/>
+              </a:rPr>
+              <a:t>	</a:t>
+            </a:r>
+            <a:r>
+              <a:rPr lang="en-US" sz="2400" smtClean="0">
+                <a:latin typeface="Times New Roman" panose="02020603050405020304" pitchFamily="18" charset="0"/>
+                <a:cs typeface="Times New Roman" panose="02020603050405020304" pitchFamily="18" charset="0"/>
+              </a:rPr>
+              <a:t>example.com</a:t>
+            </a:r>
+            <a:r>
+              <a:rPr lang="en-US" sz="2400">
+                <a:latin typeface="Times New Roman" panose="02020603050405020304" pitchFamily="18" charset="0"/>
+                <a:cs typeface="Times New Roman" panose="02020603050405020304" pitchFamily="18" charset="0"/>
+              </a:rPr>
+              <a:t>. A  192.0.2.1  ;IPv4 address </a:t>
+            </a:r>
+            <a:r>
+              <a:rPr lang="en-US" sz="2400">
+                <a:latin typeface="Times New Roman" panose="02020603050405020304" pitchFamily="18" charset="0"/>
+                <a:cs typeface="Times New Roman" panose="02020603050405020304" pitchFamily="18" charset="0"/>
+              </a:rPr>
+              <a:t>for </a:t>
+            </a:r>
+            <a:r>
+              <a:rPr lang="en-US" sz="2400" smtClean="0">
+                <a:latin typeface="Times New Roman" panose="02020603050405020304" pitchFamily="18" charset="0"/>
+                <a:cs typeface="Times New Roman" panose="02020603050405020304" pitchFamily="18" charset="0"/>
+              </a:rPr>
+              <a:t>example.com	ns.example.com</a:t>
+            </a:r>
+            <a:r>
+              <a:rPr lang="en-US" sz="2400">
+                <a:latin typeface="Times New Roman" panose="02020603050405020304" pitchFamily="18" charset="0"/>
+                <a:cs typeface="Times New Roman" panose="02020603050405020304" pitchFamily="18" charset="0"/>
+              </a:rPr>
+              <a:t>. A 192.0.2.2 ;IPv4 address </a:t>
+            </a:r>
+            <a:r>
+              <a:rPr lang="en-US" sz="2400">
+                <a:latin typeface="Times New Roman" panose="02020603050405020304" pitchFamily="18" charset="0"/>
+                <a:cs typeface="Times New Roman" panose="02020603050405020304" pitchFamily="18" charset="0"/>
+              </a:rPr>
+              <a:t>for </a:t>
+            </a:r>
+            <a:r>
+              <a:rPr lang="en-US" sz="2400" smtClean="0">
+                <a:latin typeface="Times New Roman" panose="02020603050405020304" pitchFamily="18" charset="0"/>
+                <a:cs typeface="Times New Roman" panose="02020603050405020304" pitchFamily="18" charset="0"/>
+              </a:rPr>
+              <a:t>ns.example.com</a:t>
+            </a:r>
+            <a:endParaRPr lang="en-US" sz="2400">
+              <a:latin typeface="Times New Roman" panose="02020603050405020304" pitchFamily="18" charset="0"/>
+              <a:cs typeface="Times New Roman" panose="02020603050405020304" pitchFamily="18" charset="0"/>
+            </a:endParaRPr>
+          </a:p>
+        </p:txBody>
+      </p:sp>
+      <p:sp>
+        <p:nvSpPr>
+          <p:cNvPr id="7" name="Rectangle 6"/>
+          <p:cNvSpPr/>
+          <p:nvPr/>
+        </p:nvSpPr>
+        <p:spPr>
+          <a:xfrm>
+            <a:off x="2282430" y="3431512"/>
+            <a:ext cx="6096000" cy="907941"/>
+          </a:xfrm>
+          <a:prstGeom prst="rect">
+            <a:avLst/>
+          </a:prstGeom>
+        </p:spPr>
+        <p:txBody>
+          <a:bodyPr>
+            <a:spAutoFit/>
+          </a:bodyPr>
+          <a:lstStyle/>
+          <a:p>
+            <a:pPr marL="703263" lvl="1" indent="-533400">
+              <a:spcBef>
+                <a:spcPct val="20000"/>
+              </a:spcBef>
+              <a:spcAft>
+                <a:spcPts val="600"/>
+              </a:spcAft>
+              <a:buClr>
+                <a:schemeClr val="accent1">
+                  <a:lumMod val="75000"/>
+                </a:schemeClr>
+              </a:buClr>
+              <a:buSzPct val="145000"/>
+              <a:buFont typeface="Arial"/>
+              <a:buChar char="•"/>
+              <a:defRPr/>
+            </a:pPr>
+            <a:r>
+              <a:rPr lang="en-US" sz="2400" b="1">
+                <a:latin typeface="Times New Roman" panose="02020603050405020304" pitchFamily="18" charset="0"/>
+                <a:cs typeface="Times New Roman" panose="02020603050405020304" pitchFamily="18" charset="0"/>
+              </a:rPr>
+              <a:t>AAAA </a:t>
+            </a:r>
+          </a:p>
+          <a:p>
+            <a:pPr lvl="2"/>
+            <a:r>
+              <a:rPr lang="en-US" sz="2400">
+                <a:latin typeface="Times New Roman" panose="02020603050405020304" pitchFamily="18" charset="0"/>
+                <a:cs typeface="Times New Roman" panose="02020603050405020304" pitchFamily="18" charset="0"/>
+              </a:rPr>
+              <a:t>Maps an FQDN to an IPv6 address</a:t>
+            </a:r>
+          </a:p>
+        </p:txBody>
+      </p:sp>
+      <p:sp>
+        <p:nvSpPr>
+          <p:cNvPr id="8" name="Rectangle 7"/>
+          <p:cNvSpPr/>
+          <p:nvPr/>
+        </p:nvSpPr>
+        <p:spPr>
+          <a:xfrm>
+            <a:off x="2835964" y="4996838"/>
+            <a:ext cx="8667059" cy="1200329"/>
+          </a:xfrm>
+          <a:prstGeom prst="rect">
+            <a:avLst/>
+          </a:prstGeom>
+        </p:spPr>
+        <p:txBody>
+          <a:bodyPr wrap="square">
+            <a:spAutoFit/>
+          </a:bodyPr>
+          <a:lstStyle/>
+          <a:p>
+            <a:pPr marL="0" lvl="2"/>
+            <a:r>
+              <a:rPr lang="en-US" sz="2400" smtClean="0">
+                <a:latin typeface="Times New Roman" panose="02020603050405020304" pitchFamily="18" charset="0"/>
+                <a:cs typeface="Times New Roman" panose="02020603050405020304" pitchFamily="18" charset="0"/>
+              </a:rPr>
+              <a:t>Maps </a:t>
+            </a:r>
+            <a:r>
+              <a:rPr lang="en-US" sz="2400">
+                <a:latin typeface="Times New Roman" panose="02020603050405020304" pitchFamily="18" charset="0"/>
+                <a:cs typeface="Times New Roman" panose="02020603050405020304" pitchFamily="18" charset="0"/>
+              </a:rPr>
+              <a:t>an IP address to an FQDN for </a:t>
+            </a:r>
+            <a:r>
+              <a:rPr lang="en-US" sz="2400">
+                <a:latin typeface="Times New Roman" panose="02020603050405020304" pitchFamily="18" charset="0"/>
+                <a:cs typeface="Times New Roman" panose="02020603050405020304" pitchFamily="18" charset="0"/>
+              </a:rPr>
+              <a:t>reverse </a:t>
+            </a:r>
+            <a:r>
+              <a:rPr lang="en-US" sz="2400" smtClean="0">
+                <a:latin typeface="Times New Roman" panose="02020603050405020304" pitchFamily="18" charset="0"/>
+                <a:cs typeface="Times New Roman" panose="02020603050405020304" pitchFamily="18" charset="0"/>
+              </a:rPr>
+              <a:t>lookups.</a:t>
+            </a:r>
+          </a:p>
+          <a:p>
+            <a:pPr marL="0" lvl="2"/>
+            <a:r>
+              <a:rPr lang="en-US" sz="2400">
+                <a:latin typeface="Times New Roman" panose="02020603050405020304" pitchFamily="18" charset="0"/>
+                <a:cs typeface="Times New Roman" panose="02020603050405020304" pitchFamily="18" charset="0"/>
+              </a:rPr>
+              <a:t>	</a:t>
+            </a:r>
+            <a:r>
+              <a:rPr lang="en-US" sz="2400" smtClean="0">
+                <a:latin typeface="Times New Roman" panose="02020603050405020304" pitchFamily="18" charset="0"/>
+                <a:cs typeface="Times New Roman" panose="02020603050405020304" pitchFamily="18" charset="0"/>
+              </a:rPr>
+              <a:t>1.249.249.192.in-addr.arpa</a:t>
+            </a:r>
+            <a:r>
+              <a:rPr lang="en-US" sz="2400">
+                <a:latin typeface="Times New Roman" panose="02020603050405020304" pitchFamily="18" charset="0"/>
+                <a:cs typeface="Times New Roman" panose="02020603050405020304" pitchFamily="18" charset="0"/>
+              </a:rPr>
+              <a:t>. IN </a:t>
+            </a:r>
+            <a:r>
+              <a:rPr lang="en-US" sz="2400">
+                <a:latin typeface="Times New Roman" panose="02020603050405020304" pitchFamily="18" charset="0"/>
+                <a:cs typeface="Times New Roman" panose="02020603050405020304" pitchFamily="18" charset="0"/>
+              </a:rPr>
+              <a:t>PTR </a:t>
+            </a:r>
+            <a:r>
+              <a:rPr lang="en-US" sz="2400" smtClean="0">
+                <a:latin typeface="Times New Roman" panose="02020603050405020304" pitchFamily="18" charset="0"/>
+                <a:cs typeface="Times New Roman" panose="02020603050405020304" pitchFamily="18" charset="0"/>
+              </a:rPr>
+              <a:t>wormhole.movie.edu.	2.249.249.192.in-addr.arpa</a:t>
+            </a:r>
+            <a:r>
+              <a:rPr lang="en-US" sz="2400">
+                <a:latin typeface="Times New Roman" panose="02020603050405020304" pitchFamily="18" charset="0"/>
+                <a:cs typeface="Times New Roman" panose="02020603050405020304" pitchFamily="18" charset="0"/>
+              </a:rPr>
+              <a:t>. IN PTR robocop.movie.edu.</a:t>
+            </a:r>
+            <a:endParaRPr lang="en-US" sz="2400" dirty="0">
+              <a:latin typeface="Times New Roman" panose="02020603050405020304" pitchFamily="18" charset="0"/>
+              <a:cs typeface="Times New Roman" panose="02020603050405020304" pitchFamily="18" charset="0"/>
+            </a:endParaRPr>
+          </a:p>
+        </p:txBody>
+      </p:sp>
+      <p:sp>
+        <p:nvSpPr>
+          <p:cNvPr id="9" name="Rectangle 8"/>
+          <p:cNvSpPr/>
+          <p:nvPr/>
+        </p:nvSpPr>
+        <p:spPr>
+          <a:xfrm>
+            <a:off x="2282430" y="4535173"/>
+            <a:ext cx="2765822" cy="461665"/>
+          </a:xfrm>
+          <a:prstGeom prst="rect">
+            <a:avLst/>
+          </a:prstGeom>
+        </p:spPr>
+        <p:txBody>
+          <a:bodyPr wrap="none">
+            <a:spAutoFit/>
+          </a:bodyPr>
+          <a:lstStyle/>
+          <a:p>
+            <a:pPr marL="703263" lvl="1" indent="-533400">
+              <a:spcBef>
+                <a:spcPct val="20000"/>
+              </a:spcBef>
+              <a:spcAft>
+                <a:spcPts val="600"/>
+              </a:spcAft>
+              <a:buClr>
+                <a:schemeClr val="accent1">
+                  <a:lumMod val="75000"/>
+                </a:schemeClr>
+              </a:buClr>
+              <a:buSzPct val="145000"/>
+              <a:buFont typeface="Arial"/>
+              <a:buChar char="•"/>
+              <a:defRPr/>
+            </a:pPr>
+            <a:r>
+              <a:rPr lang="en-US" sz="2400" b="1">
+                <a:latin typeface="Times New Roman" panose="02020603050405020304" pitchFamily="18" charset="0"/>
+                <a:cs typeface="Times New Roman" panose="02020603050405020304" pitchFamily="18" charset="0"/>
+              </a:rPr>
+              <a:t>PTR (Pointer)</a:t>
+            </a:r>
+          </a:p>
+        </p:txBody>
+      </p:sp>
+    </p:spTree>
+    <p:extLst>
+      <p:ext uri="{BB962C8B-B14F-4D97-AF65-F5344CB8AC3E}">
+        <p14:creationId xmlns:p14="http://schemas.microsoft.com/office/powerpoint/2010/main" val="3223169426"/>
+      </p:ext>
+    </p:extLst>
+  </p:cSld>
+  <p:clrMapOvr>
+    <a:masterClrMapping/>
+  </p:clrMapOvr>
+</p:sld>
+</file>
+
+<file path=ppt/slides/slide22.xml><?xml version="1.0" encoding="utf-8"?>
+<p:sld xmlns:a="http://schemas.openxmlformats.org/drawingml/2006/main" xmlns:r="http://schemas.openxmlformats.org/officeDocument/2006/relationships" xmlns:p="http://schemas.openxmlformats.org/presentationml/2006/main">
+  <p:cSld>
+    <p:spTree>
+      <p:nvGrpSpPr>
+        <p:cNvPr id="1" name=""/>
+        <p:cNvGrpSpPr/>
+        <p:nvPr/>
+      </p:nvGrpSpPr>
+      <p:grpSpPr>
+        <a:xfrm>
+          <a:off x="0" y="0"/>
+          <a:ext cx="0" cy="0"/>
+          <a:chOff x="0" y="0"/>
+          <a:chExt cx="0" cy="0"/>
+        </a:xfrm>
+      </p:grpSpPr>
+      <p:sp>
+        <p:nvSpPr>
+          <p:cNvPr id="4" name="Title 1"/>
+          <p:cNvSpPr txBox="1">
+            <a:spLocks/>
+          </p:cNvSpPr>
+          <p:nvPr/>
+        </p:nvSpPr>
+        <p:spPr>
+          <a:xfrm>
+            <a:off x="1987826" y="685800"/>
+            <a:ext cx="9515198" cy="718930"/>
+          </a:xfrm>
+          <a:prstGeom prst="rect">
+            <a:avLst/>
+          </a:prstGeom>
+          <a:effectLst/>
+        </p:spPr>
+        <p:txBody>
+          <a:bodyPr vert="horz" lIns="91440" tIns="45720" rIns="91440" bIns="45720" rtlCol="0" anchor="ctr">
+            <a:normAutofit/>
+          </a:bodyPr>
+          <a:lstStyle>
+            <a:lvl1pPr algn="ctr">
+              <a:spcBef>
+                <a:spcPct val="0"/>
+              </a:spcBef>
+              <a:buNone/>
+              <a:defRPr sz="4000" cap="none">
+                <a:ln w="3175" cmpd="sng">
+                  <a:noFill/>
+                </a:ln>
+                <a:effectLst/>
+                <a:latin typeface="+mj-lt"/>
+                <a:ea typeface="+mj-ea"/>
+                <a:cs typeface="+mj-cs"/>
+              </a:defRPr>
+            </a:lvl1pPr>
+            <a:lvl2pPr lvl="1" algn="ctr">
+              <a:spcBef>
+                <a:spcPct val="0"/>
+              </a:spcBef>
+              <a:defRPr sz="4000" b="1">
+                <a:solidFill>
+                  <a:schemeClr val="tx2"/>
+                </a:solidFill>
+                <a:latin typeface="Times New Roman" panose="02020603050405020304" pitchFamily="18" charset="0"/>
+                <a:cs typeface="Times New Roman" panose="02020603050405020304" pitchFamily="18" charset="0"/>
+              </a:defRPr>
+            </a:lvl2pPr>
+            <a:lvl3pPr>
+              <a:defRPr>
+                <a:solidFill>
+                  <a:schemeClr val="tx2"/>
+                </a:solidFill>
+              </a:defRPr>
+            </a:lvl3pPr>
+            <a:lvl4pPr>
+              <a:defRPr>
+                <a:solidFill>
+                  <a:schemeClr val="tx2"/>
+                </a:solidFill>
+              </a:defRPr>
+            </a:lvl4pPr>
+            <a:lvl5pPr>
+              <a:defRPr>
+                <a:solidFill>
+                  <a:schemeClr val="tx2"/>
+                </a:solidFill>
+              </a:defRPr>
+            </a:lvl5pPr>
+            <a:lvl6pPr>
+              <a:defRPr>
+                <a:solidFill>
+                  <a:schemeClr val="tx2"/>
+                </a:solidFill>
+              </a:defRPr>
+            </a:lvl6pPr>
+            <a:lvl7pPr>
+              <a:defRPr>
+                <a:solidFill>
+                  <a:schemeClr val="tx2"/>
+                </a:solidFill>
+              </a:defRPr>
+            </a:lvl7pPr>
+            <a:lvl8pPr>
+              <a:defRPr>
+                <a:solidFill>
+                  <a:schemeClr val="tx2"/>
+                </a:solidFill>
+              </a:defRPr>
+            </a:lvl8pPr>
+            <a:lvl9pPr>
+              <a:defRPr>
+                <a:solidFill>
+                  <a:schemeClr val="tx2"/>
+                </a:solidFill>
+              </a:defRPr>
+            </a:lvl9pPr>
+          </a:lstStyle>
+          <a:p>
+            <a:pPr lvl="1"/>
+            <a:r>
+              <a:rPr lang="en-CA"/>
+              <a:t>Important DNS </a:t>
+            </a:r>
+            <a:r>
+              <a:rPr lang="en-CA" smtClean="0"/>
+              <a:t>terminology</a:t>
+            </a:r>
+            <a:endParaRPr lang="en-CA" dirty="0"/>
+          </a:p>
+        </p:txBody>
+      </p:sp>
+      <p:sp>
+        <p:nvSpPr>
+          <p:cNvPr id="5" name="Rectangle 4"/>
+          <p:cNvSpPr/>
+          <p:nvPr/>
+        </p:nvSpPr>
+        <p:spPr>
+          <a:xfrm>
+            <a:off x="2282430" y="1667325"/>
+            <a:ext cx="3290003" cy="461665"/>
+          </a:xfrm>
+          <a:prstGeom prst="rect">
+            <a:avLst/>
+          </a:prstGeom>
+        </p:spPr>
+        <p:txBody>
+          <a:bodyPr wrap="none">
+            <a:spAutoFit/>
+          </a:bodyPr>
+          <a:lstStyle/>
+          <a:p>
+            <a:pPr marL="703263" lvl="1" indent="-533400">
+              <a:spcBef>
+                <a:spcPct val="20000"/>
+              </a:spcBef>
+              <a:spcAft>
+                <a:spcPts val="600"/>
+              </a:spcAft>
+              <a:buClr>
+                <a:schemeClr val="accent1">
+                  <a:lumMod val="75000"/>
+                </a:schemeClr>
+              </a:buClr>
+              <a:buSzPct val="145000"/>
+              <a:buFont typeface="Arial"/>
+              <a:buChar char="•"/>
+              <a:defRPr/>
+            </a:pPr>
+            <a:r>
+              <a:rPr lang="en-US" sz="2400" b="1" smtClean="0">
+                <a:latin typeface="Times New Roman" panose="02020603050405020304" pitchFamily="18" charset="0"/>
+                <a:cs typeface="Times New Roman" panose="02020603050405020304" pitchFamily="18" charset="0"/>
+              </a:rPr>
+              <a:t>CNAME Records</a:t>
+            </a:r>
+            <a:endParaRPr lang="en-US" sz="2400" b="1">
+              <a:latin typeface="Times New Roman" panose="02020603050405020304" pitchFamily="18" charset="0"/>
+              <a:cs typeface="Times New Roman" panose="02020603050405020304" pitchFamily="18" charset="0"/>
+            </a:endParaRPr>
+          </a:p>
+        </p:txBody>
+      </p:sp>
+      <p:sp>
+        <p:nvSpPr>
+          <p:cNvPr id="6" name="Rectangle 5"/>
+          <p:cNvSpPr/>
+          <p:nvPr/>
+        </p:nvSpPr>
+        <p:spPr>
+          <a:xfrm>
+            <a:off x="2677007" y="2128990"/>
+            <a:ext cx="8693358" cy="2123658"/>
+          </a:xfrm>
+          <a:prstGeom prst="rect">
+            <a:avLst/>
+          </a:prstGeom>
+        </p:spPr>
+        <p:txBody>
+          <a:bodyPr wrap="square">
+            <a:spAutoFit/>
+          </a:bodyPr>
+          <a:lstStyle/>
+          <a:p>
+            <a:pPr marL="342900" indent="-342900">
+              <a:lnSpc>
+                <a:spcPct val="90000"/>
+              </a:lnSpc>
+              <a:buFont typeface="Wingdings" panose="05000000000000000000" pitchFamily="2" charset="2"/>
+              <a:buChar char="§"/>
+            </a:pPr>
+            <a:r>
+              <a:rPr lang="en-US" sz="2400">
+                <a:latin typeface="Times New Roman" panose="02020603050405020304" pitchFamily="18" charset="0"/>
+                <a:cs typeface="Times New Roman" panose="02020603050405020304" pitchFamily="18" charset="0"/>
+              </a:rPr>
+              <a:t>A CNAME defines an alias</a:t>
+            </a:r>
+          </a:p>
+          <a:p>
+            <a:pPr marL="342900" indent="-342900">
+              <a:lnSpc>
+                <a:spcPct val="90000"/>
+              </a:lnSpc>
+              <a:buFont typeface="Wingdings" panose="05000000000000000000" pitchFamily="2" charset="2"/>
+              <a:buChar char="§"/>
+            </a:pPr>
+            <a:r>
+              <a:rPr lang="en-US" sz="2400">
+                <a:latin typeface="Times New Roman" panose="02020603050405020304" pitchFamily="18" charset="0"/>
+                <a:cs typeface="Times New Roman" panose="02020603050405020304" pitchFamily="18" charset="0"/>
+              </a:rPr>
+              <a:t>The alias will then be resolved, if another CNAME is encountered then the process continues until an A record </a:t>
+            </a:r>
+            <a:r>
+              <a:rPr lang="en-US" sz="2400">
+                <a:latin typeface="Times New Roman" panose="02020603050405020304" pitchFamily="18" charset="0"/>
+                <a:cs typeface="Times New Roman" panose="02020603050405020304" pitchFamily="18" charset="0"/>
+              </a:rPr>
+              <a:t>is </a:t>
+            </a:r>
+            <a:r>
+              <a:rPr lang="en-US" sz="2400" smtClean="0">
+                <a:latin typeface="Times New Roman" panose="02020603050405020304" pitchFamily="18" charset="0"/>
+                <a:cs typeface="Times New Roman" panose="02020603050405020304" pitchFamily="18" charset="0"/>
+              </a:rPr>
+              <a:t>found.</a:t>
+            </a:r>
+          </a:p>
+          <a:p>
+            <a:pPr marL="342900" indent="-342900">
+              <a:lnSpc>
+                <a:spcPct val="90000"/>
+              </a:lnSpc>
+              <a:buFont typeface="Wingdings" panose="05000000000000000000" pitchFamily="2" charset="2"/>
+              <a:buChar char="§"/>
+            </a:pPr>
+            <a:r>
+              <a:rPr lang="en-US" sz="2400"/>
+              <a:t>Eg. </a:t>
+            </a:r>
+            <a:r>
+              <a:rPr lang="en-US" sz="2400"/>
+              <a:t>The </a:t>
+            </a:r>
+            <a:r>
+              <a:rPr lang="en-US" sz="2400" smtClean="0"/>
+              <a:t>record: </a:t>
+            </a:r>
+            <a:r>
+              <a:rPr lang="en-US" sz="2400" smtClean="0">
+                <a:latin typeface="Times New Roman" panose="02020603050405020304" pitchFamily="18" charset="0"/>
+                <a:cs typeface="Times New Roman" panose="02020603050405020304" pitchFamily="18" charset="0"/>
+              </a:rPr>
+              <a:t>www.example.com </a:t>
+            </a:r>
+            <a:r>
+              <a:rPr lang="en-US" sz="2400">
+                <a:latin typeface="Times New Roman" panose="02020603050405020304" pitchFamily="18" charset="0"/>
+                <a:cs typeface="Times New Roman" panose="02020603050405020304" pitchFamily="18" charset="0"/>
+              </a:rPr>
+              <a:t>is an alias for example.com</a:t>
+            </a:r>
+          </a:p>
+          <a:p>
+            <a:pPr marL="868680" lvl="3"/>
+            <a:r>
+              <a:rPr lang="en-US" sz="2400">
+                <a:latin typeface="Times New Roman" panose="02020603050405020304" pitchFamily="18" charset="0"/>
+                <a:cs typeface="Times New Roman" panose="02020603050405020304" pitchFamily="18" charset="0"/>
+              </a:rPr>
+              <a:t>www.example.com. CNAME example.com. </a:t>
+            </a:r>
+          </a:p>
+          <a:p>
+            <a:pPr marL="342900" indent="-342900">
+              <a:lnSpc>
+                <a:spcPct val="90000"/>
+              </a:lnSpc>
+              <a:buFont typeface="Wingdings" panose="05000000000000000000" pitchFamily="2" charset="2"/>
+              <a:buChar char="§"/>
+            </a:pPr>
+            <a:endParaRPr lang="en-US" sz="2400">
+              <a:latin typeface="Times New Roman" panose="02020603050405020304" pitchFamily="18" charset="0"/>
+              <a:cs typeface="Times New Roman" panose="02020603050405020304" pitchFamily="18" charset="0"/>
+            </a:endParaRPr>
+          </a:p>
+        </p:txBody>
+      </p:sp>
+      <p:sp>
+        <p:nvSpPr>
+          <p:cNvPr id="7" name="Rectangle 6"/>
+          <p:cNvSpPr/>
+          <p:nvPr/>
+        </p:nvSpPr>
+        <p:spPr>
+          <a:xfrm>
+            <a:off x="2282430" y="4021815"/>
+            <a:ext cx="6048772" cy="461665"/>
+          </a:xfrm>
+          <a:prstGeom prst="rect">
+            <a:avLst/>
+          </a:prstGeom>
+        </p:spPr>
+        <p:txBody>
+          <a:bodyPr wrap="none">
+            <a:spAutoFit/>
+          </a:bodyPr>
+          <a:lstStyle/>
+          <a:p>
+            <a:pPr marL="703263" lvl="1" indent="-533400">
+              <a:spcBef>
+                <a:spcPct val="20000"/>
+              </a:spcBef>
+              <a:spcAft>
+                <a:spcPts val="600"/>
+              </a:spcAft>
+              <a:buClr>
+                <a:schemeClr val="accent1">
+                  <a:lumMod val="75000"/>
+                </a:schemeClr>
+              </a:buClr>
+              <a:buSzPct val="145000"/>
+              <a:buFont typeface="Arial"/>
+              <a:buChar char="•"/>
+              <a:defRPr/>
+            </a:pPr>
+            <a:r>
+              <a:rPr lang="en-US" sz="2400" b="1" smtClean="0">
+                <a:latin typeface="Times New Roman" panose="02020603050405020304" pitchFamily="18" charset="0"/>
+                <a:cs typeface="Times New Roman" panose="02020603050405020304" pitchFamily="18" charset="0"/>
+              </a:rPr>
+              <a:t>MX</a:t>
+            </a:r>
+            <a:r>
+              <a:rPr lang="en-US" sz="2400" b="1" smtClean="0">
+                <a:latin typeface="Times New Roman" panose="02020603050405020304" pitchFamily="18" charset="0"/>
+                <a:cs typeface="Times New Roman" panose="02020603050405020304" pitchFamily="18" charset="0"/>
+              </a:rPr>
+              <a:t> Records ( Mail Exchange Records)</a:t>
+            </a:r>
+            <a:endParaRPr lang="en-US" sz="2400" b="1">
+              <a:latin typeface="Times New Roman" panose="02020603050405020304" pitchFamily="18" charset="0"/>
+              <a:cs typeface="Times New Roman" panose="02020603050405020304" pitchFamily="18" charset="0"/>
+            </a:endParaRPr>
+          </a:p>
+        </p:txBody>
+      </p:sp>
+      <p:sp>
+        <p:nvSpPr>
+          <p:cNvPr id="10" name="Rectangle 9"/>
+          <p:cNvSpPr/>
+          <p:nvPr/>
+        </p:nvSpPr>
+        <p:spPr>
+          <a:xfrm>
+            <a:off x="2677007" y="4538879"/>
+            <a:ext cx="8468071" cy="2336024"/>
+          </a:xfrm>
+          <a:prstGeom prst="rect">
+            <a:avLst/>
+          </a:prstGeom>
+        </p:spPr>
+        <p:txBody>
+          <a:bodyPr wrap="square">
+            <a:spAutoFit/>
+          </a:bodyPr>
+          <a:lstStyle/>
+          <a:p>
+            <a:pPr marL="285750" indent="-285750">
+              <a:lnSpc>
+                <a:spcPct val="90000"/>
+              </a:lnSpc>
+              <a:buFont typeface="Wingdings" panose="05000000000000000000" pitchFamily="2" charset="2"/>
+              <a:buChar char="§"/>
+            </a:pPr>
+            <a:r>
+              <a:rPr lang="en-US" sz="2400">
+                <a:latin typeface="Times New Roman" panose="02020603050405020304" pitchFamily="18" charset="0"/>
+                <a:cs typeface="Times New Roman" panose="02020603050405020304" pitchFamily="18" charset="0"/>
+              </a:rPr>
+              <a:t>An MX record defines the mail servers for a </a:t>
+            </a:r>
+            <a:r>
+              <a:rPr lang="en-US" sz="2400">
+                <a:latin typeface="Times New Roman" panose="02020603050405020304" pitchFamily="18" charset="0"/>
+                <a:cs typeface="Times New Roman" panose="02020603050405020304" pitchFamily="18" charset="0"/>
+              </a:rPr>
+              <a:t>particular </a:t>
+            </a:r>
+            <a:r>
+              <a:rPr lang="en-US" sz="2400" smtClean="0">
+                <a:latin typeface="Times New Roman" panose="02020603050405020304" pitchFamily="18" charset="0"/>
+                <a:cs typeface="Times New Roman" panose="02020603050405020304" pitchFamily="18" charset="0"/>
+              </a:rPr>
+              <a:t>domain</a:t>
+            </a:r>
+          </a:p>
+          <a:p>
+            <a:pPr marL="285750" indent="-285750">
+              <a:lnSpc>
+                <a:spcPct val="90000"/>
+              </a:lnSpc>
+              <a:buFont typeface="Wingdings" panose="05000000000000000000" pitchFamily="2" charset="2"/>
+              <a:buChar char="§"/>
+            </a:pPr>
+            <a:r>
+              <a:rPr lang="en-US" sz="2400" smtClean="0">
+                <a:latin typeface="Times New Roman" panose="02020603050405020304" pitchFamily="18" charset="0"/>
+                <a:cs typeface="Times New Roman" panose="02020603050405020304" pitchFamily="18" charset="0"/>
+              </a:rPr>
+              <a:t>Eg</a:t>
+            </a:r>
+            <a:r>
+              <a:rPr lang="en-US" sz="2400">
+                <a:latin typeface="Times New Roman" panose="02020603050405020304" pitchFamily="18" charset="0"/>
+                <a:cs typeface="Times New Roman" panose="02020603050405020304" pitchFamily="18" charset="0"/>
+              </a:rPr>
+              <a:t>. The </a:t>
+            </a:r>
+            <a:r>
+              <a:rPr lang="en-US" sz="2400">
+                <a:latin typeface="Times New Roman" panose="02020603050405020304" pitchFamily="18" charset="0"/>
+                <a:cs typeface="Times New Roman" panose="02020603050405020304" pitchFamily="18" charset="0"/>
+              </a:rPr>
+              <a:t>record</a:t>
+            </a:r>
+            <a:r>
+              <a:rPr lang="en-US" sz="2400" smtClean="0">
+                <a:latin typeface="Times New Roman" panose="02020603050405020304" pitchFamily="18" charset="0"/>
+                <a:cs typeface="Times New Roman" panose="02020603050405020304" pitchFamily="18" charset="0"/>
+              </a:rPr>
+              <a:t>:</a:t>
+            </a:r>
+          </a:p>
+          <a:p>
+            <a:pPr marL="800100" lvl="1" indent="-342900">
+              <a:lnSpc>
+                <a:spcPct val="90000"/>
+              </a:lnSpc>
+              <a:buFont typeface="Arial" panose="020B0604020202020204" pitchFamily="34" charset="0"/>
+              <a:buChar char="•"/>
+            </a:pPr>
+            <a:r>
+              <a:rPr lang="en-US" sz="2400">
+                <a:latin typeface="Times New Roman" panose="02020603050405020304" pitchFamily="18" charset="0"/>
+                <a:cs typeface="Times New Roman" panose="02020603050405020304" pitchFamily="18" charset="0"/>
+              </a:rPr>
+              <a:t>ausregistry.com.au</a:t>
+            </a:r>
+            <a:r>
+              <a:rPr lang="en-US" sz="2400">
+                <a:latin typeface="Times New Roman" panose="02020603050405020304" pitchFamily="18" charset="0"/>
+                <a:cs typeface="Times New Roman" panose="02020603050405020304" pitchFamily="18" charset="0"/>
+              </a:rPr>
+              <a:t>	</a:t>
+            </a:r>
+            <a:r>
+              <a:rPr lang="en-US" sz="2400" smtClean="0">
+                <a:latin typeface="Times New Roman" panose="02020603050405020304" pitchFamily="18" charset="0"/>
+                <a:cs typeface="Times New Roman" panose="02020603050405020304" pitchFamily="18" charset="0"/>
+              </a:rPr>
+              <a:t>   MX</a:t>
+            </a:r>
+            <a:r>
+              <a:rPr lang="en-US" sz="2400">
+                <a:latin typeface="Times New Roman" panose="02020603050405020304" pitchFamily="18" charset="0"/>
+                <a:cs typeface="Times New Roman" panose="02020603050405020304" pitchFamily="18" charset="0"/>
+              </a:rPr>
+              <a:t>	10	mail</a:t>
+            </a:r>
+          </a:p>
+          <a:p>
+            <a:pPr marL="800100" lvl="1" indent="-342900">
+              <a:lnSpc>
+                <a:spcPct val="90000"/>
+              </a:lnSpc>
+              <a:buFont typeface="Arial" panose="020B0604020202020204" pitchFamily="34" charset="0"/>
+              <a:buChar char="•"/>
+            </a:pPr>
+            <a:r>
+              <a:rPr lang="en-US" sz="2400">
+                <a:latin typeface="Times New Roman" panose="02020603050405020304" pitchFamily="18" charset="0"/>
+                <a:cs typeface="Times New Roman" panose="02020603050405020304" pitchFamily="18" charset="0"/>
+              </a:rPr>
+              <a:t>In the ausregistry.com.au domain, defines the host mail to be the priority 10 mail server for the “ausregistry.com.au” domain</a:t>
+            </a:r>
+          </a:p>
+          <a:p>
+            <a:pPr marL="285750" indent="-285750">
+              <a:lnSpc>
+                <a:spcPct val="90000"/>
+              </a:lnSpc>
+              <a:buFont typeface="Wingdings" panose="05000000000000000000" pitchFamily="2" charset="2"/>
+              <a:buChar char="§"/>
+            </a:pPr>
+            <a:endParaRPr lang="en-US"/>
+          </a:p>
+        </p:txBody>
+      </p:sp>
+    </p:spTree>
+    <p:extLst>
+      <p:ext uri="{BB962C8B-B14F-4D97-AF65-F5344CB8AC3E}">
+        <p14:creationId xmlns:p14="http://schemas.microsoft.com/office/powerpoint/2010/main" val="3933083497"/>
+      </p:ext>
+    </p:extLst>
+  </p:cSld>
+  <p:clrMapOvr>
+    <a:masterClrMapping/>
+  </p:clrMapOvr>
+</p:sld>
+</file>
+
+<file path=ppt/slides/slide23.xml><?xml version="1.0" encoding="utf-8"?>
+<p:sld xmlns:a="http://schemas.openxmlformats.org/drawingml/2006/main" xmlns:r="http://schemas.openxmlformats.org/officeDocument/2006/relationships" xmlns:p="http://schemas.openxmlformats.org/presentationml/2006/main">
+  <p:cSld>
+    <p:spTree>
+      <p:nvGrpSpPr>
+        <p:cNvPr id="1" name=""/>
+        <p:cNvGrpSpPr/>
+        <p:nvPr/>
+      </p:nvGrpSpPr>
+      <p:grpSpPr>
+        <a:xfrm>
+          <a:off x="0" y="0"/>
+          <a:ext cx="0" cy="0"/>
+          <a:chOff x="0" y="0"/>
+          <a:chExt cx="0" cy="0"/>
+        </a:xfrm>
+      </p:grpSpPr>
+      <p:pic>
+        <p:nvPicPr>
+          <p:cNvPr id="4" name="Picture 2"/>
+          <p:cNvPicPr>
+            <a:picLocks noChangeAspect="1" noChangeArrowheads="1"/>
+          </p:cNvPicPr>
+          <p:nvPr/>
+        </p:nvPicPr>
+        <p:blipFill>
+          <a:blip r:embed="rId2">
+            <a:extLst>
+              <a:ext uri="{28A0092B-C50C-407E-A947-70E740481C1C}">
+                <a14:useLocalDpi xmlns:a14="http://schemas.microsoft.com/office/drawing/2010/main" val="0"/>
+              </a:ext>
+            </a:extLst>
+          </a:blip>
+          <a:srcRect/>
+          <a:stretch>
+            <a:fillRect/>
+          </a:stretch>
+        </p:blipFill>
+        <p:spPr bwMode="auto">
+          <a:xfrm>
+            <a:off x="3405809" y="2168891"/>
+            <a:ext cx="7222433" cy="3966866"/>
+          </a:xfrm>
+          <a:prstGeom prst="rect">
+            <a:avLst/>
+          </a:prstGeom>
+          <a:noFill/>
+          <a:ln>
+            <a:noFill/>
+          </a:ln>
+          <a:effectLst/>
+          <a:extLst>
+            <a:ext uri="{909E8E84-426E-40DD-AFC4-6F175D3DCCD1}">
+              <a14:hiddenFill xmlns:a14="http://schemas.microsoft.com/office/drawing/2010/main">
+                <a:solidFill>
+                  <a:schemeClr val="accent1"/>
+                </a:solidFill>
+              </a14:hiddenFill>
+            </a:ext>
+            <a:ext uri="{91240B29-F687-4F45-9708-019B960494DF}">
+              <a14:hiddenLine xmlns:a14="http://schemas.microsoft.com/office/drawing/2010/main" w="9525">
+                <a:solidFill>
+                  <a:schemeClr val="tx1"/>
+                </a:solidFill>
+                <a:miter lim="800000"/>
+                <a:headEnd/>
+                <a:tailEnd/>
+              </a14:hiddenLine>
+            </a:ext>
+            <a:ext uri="{AF507438-7753-43E0-B8FC-AC1667EBCBE1}">
+              <a14:hiddenEffects xmlns:a14="http://schemas.microsoft.com/office/drawing/2010/main">
+                <a:effectLst>
+                  <a:outerShdw dist="35921" dir="2700000" algn="ctr" rotWithShape="0">
+                    <a:schemeClr val="bg2"/>
+                  </a:outerShdw>
+                </a:effectLst>
+              </a14:hiddenEffects>
+            </a:ext>
+          </a:extLst>
+        </p:spPr>
+      </p:pic>
+      <p:sp>
+        <p:nvSpPr>
+          <p:cNvPr id="7" name="Title 1"/>
+          <p:cNvSpPr txBox="1">
+            <a:spLocks/>
+          </p:cNvSpPr>
+          <p:nvPr/>
+        </p:nvSpPr>
+        <p:spPr>
+          <a:xfrm>
+            <a:off x="1987826" y="685800"/>
+            <a:ext cx="9515198" cy="718930"/>
+          </a:xfrm>
+          <a:prstGeom prst="rect">
+            <a:avLst/>
+          </a:prstGeom>
+          <a:effectLst/>
+        </p:spPr>
+        <p:txBody>
+          <a:bodyPr vert="horz" lIns="91440" tIns="45720" rIns="91440" bIns="45720" rtlCol="0" anchor="ctr">
+            <a:normAutofit/>
+          </a:bodyPr>
+          <a:lstStyle>
+            <a:lvl1pPr algn="ctr">
+              <a:spcBef>
+                <a:spcPct val="0"/>
+              </a:spcBef>
+              <a:buNone/>
+              <a:defRPr sz="4000" cap="none">
+                <a:ln w="3175" cmpd="sng">
+                  <a:noFill/>
+                </a:ln>
+                <a:effectLst/>
+                <a:latin typeface="+mj-lt"/>
+                <a:ea typeface="+mj-ea"/>
+                <a:cs typeface="+mj-cs"/>
+              </a:defRPr>
+            </a:lvl1pPr>
+            <a:lvl2pPr lvl="1" algn="ctr">
+              <a:spcBef>
+                <a:spcPct val="0"/>
+              </a:spcBef>
+              <a:defRPr sz="4000" b="1">
+                <a:solidFill>
+                  <a:schemeClr val="tx2"/>
+                </a:solidFill>
+                <a:latin typeface="Times New Roman" panose="02020603050405020304" pitchFamily="18" charset="0"/>
+                <a:cs typeface="Times New Roman" panose="02020603050405020304" pitchFamily="18" charset="0"/>
+              </a:defRPr>
+            </a:lvl2pPr>
+            <a:lvl3pPr>
+              <a:defRPr>
+                <a:solidFill>
+                  <a:schemeClr val="tx2"/>
+                </a:solidFill>
+              </a:defRPr>
+            </a:lvl3pPr>
+            <a:lvl4pPr>
+              <a:defRPr>
+                <a:solidFill>
+                  <a:schemeClr val="tx2"/>
+                </a:solidFill>
+              </a:defRPr>
+            </a:lvl4pPr>
+            <a:lvl5pPr>
+              <a:defRPr>
+                <a:solidFill>
+                  <a:schemeClr val="tx2"/>
+                </a:solidFill>
+              </a:defRPr>
+            </a:lvl5pPr>
+            <a:lvl6pPr>
+              <a:defRPr>
+                <a:solidFill>
+                  <a:schemeClr val="tx2"/>
+                </a:solidFill>
+              </a:defRPr>
+            </a:lvl6pPr>
+            <a:lvl7pPr>
+              <a:defRPr>
+                <a:solidFill>
+                  <a:schemeClr val="tx2"/>
+                </a:solidFill>
+              </a:defRPr>
+            </a:lvl7pPr>
+            <a:lvl8pPr>
+              <a:defRPr>
+                <a:solidFill>
+                  <a:schemeClr val="tx2"/>
+                </a:solidFill>
+              </a:defRPr>
+            </a:lvl8pPr>
+            <a:lvl9pPr>
+              <a:defRPr>
+                <a:solidFill>
+                  <a:schemeClr val="tx2"/>
+                </a:solidFill>
+              </a:defRPr>
+            </a:lvl9pPr>
+          </a:lstStyle>
+          <a:p>
+            <a:pPr lvl="1"/>
+            <a:r>
+              <a:rPr lang="en-CA"/>
+              <a:t>Important DNS </a:t>
+            </a:r>
+            <a:r>
+              <a:rPr lang="en-CA" smtClean="0"/>
+              <a:t>terminology</a:t>
+            </a:r>
+            <a:endParaRPr lang="en-CA" dirty="0"/>
+          </a:p>
+        </p:txBody>
+      </p:sp>
+      <p:sp>
+        <p:nvSpPr>
+          <p:cNvPr id="8" name="Rectangle 7"/>
+          <p:cNvSpPr/>
+          <p:nvPr/>
+        </p:nvSpPr>
+        <p:spPr>
+          <a:xfrm>
+            <a:off x="2266121" y="1707226"/>
+            <a:ext cx="6048772" cy="461665"/>
+          </a:xfrm>
+          <a:prstGeom prst="rect">
+            <a:avLst/>
+          </a:prstGeom>
+        </p:spPr>
+        <p:txBody>
+          <a:bodyPr wrap="none">
+            <a:spAutoFit/>
+          </a:bodyPr>
+          <a:lstStyle/>
+          <a:p>
+            <a:pPr marL="703263" lvl="1" indent="-533400">
+              <a:spcBef>
+                <a:spcPct val="20000"/>
+              </a:spcBef>
+              <a:spcAft>
+                <a:spcPts val="600"/>
+              </a:spcAft>
+              <a:buClr>
+                <a:schemeClr val="accent1">
+                  <a:lumMod val="75000"/>
+                </a:schemeClr>
+              </a:buClr>
+              <a:buSzPct val="145000"/>
+              <a:buFont typeface="Arial"/>
+              <a:buChar char="•"/>
+              <a:defRPr/>
+            </a:pPr>
+            <a:r>
+              <a:rPr lang="en-US" sz="2400" b="1" smtClean="0">
+                <a:latin typeface="Times New Roman" panose="02020603050405020304" pitchFamily="18" charset="0"/>
+                <a:cs typeface="Times New Roman" panose="02020603050405020304" pitchFamily="18" charset="0"/>
+              </a:rPr>
+              <a:t>MX</a:t>
+            </a:r>
+            <a:r>
+              <a:rPr lang="en-US" sz="2400" b="1" smtClean="0">
+                <a:latin typeface="Times New Roman" panose="02020603050405020304" pitchFamily="18" charset="0"/>
+                <a:cs typeface="Times New Roman" panose="02020603050405020304" pitchFamily="18" charset="0"/>
+              </a:rPr>
+              <a:t> Records ( Mail Exchange Records)</a:t>
+            </a:r>
+            <a:endParaRPr lang="en-US" sz="2400" b="1">
+              <a:latin typeface="Times New Roman" panose="02020603050405020304" pitchFamily="18" charset="0"/>
+              <a:cs typeface="Times New Roman" panose="02020603050405020304" pitchFamily="18" charset="0"/>
+            </a:endParaRPr>
+          </a:p>
+        </p:txBody>
+      </p:sp>
+    </p:spTree>
+    <p:extLst>
+      <p:ext uri="{BB962C8B-B14F-4D97-AF65-F5344CB8AC3E}">
+        <p14:creationId xmlns:p14="http://schemas.microsoft.com/office/powerpoint/2010/main" val="3734449314"/>
+      </p:ext>
+    </p:extLst>
+  </p:cSld>
+  <p:clrMapOvr>
+    <a:masterClrMapping/>
+  </p:clrMapOvr>
+</p:sld>
+</file>
+
+<file path=ppt/slides/slide24.xml><?xml version="1.0" encoding="utf-8"?>
+<p:sld xmlns:a="http://schemas.openxmlformats.org/drawingml/2006/main" xmlns:r="http://schemas.openxmlformats.org/officeDocument/2006/relationships" xmlns:p="http://schemas.openxmlformats.org/presentationml/2006/main">
+  <p:cSld>
+    <p:spTree>
+      <p:nvGrpSpPr>
+        <p:cNvPr id="1" name=""/>
+        <p:cNvGrpSpPr/>
+        <p:nvPr/>
+      </p:nvGrpSpPr>
+      <p:grpSpPr>
+        <a:xfrm>
+          <a:off x="0" y="0"/>
+          <a:ext cx="0" cy="0"/>
+          <a:chOff x="0" y="0"/>
+          <a:chExt cx="0" cy="0"/>
+        </a:xfrm>
+      </p:grpSpPr>
+    </p:spTree>
+    <p:extLst>
+      <p:ext uri="{BB962C8B-B14F-4D97-AF65-F5344CB8AC3E}">
+        <p14:creationId xmlns:p14="http://schemas.microsoft.com/office/powerpoint/2010/main" val="567227673"/>
+      </p:ext>
+    </p:extLst>
+  </p:cSld>
+  <p:clrMapOvr>
+    <a:masterClrMapping/>
+  </p:clrMapOvr>
+</p:sld>
+</file>
+
+<file path=ppt/slides/slide25.xml><?xml version="1.0" encoding="utf-8"?>
+<p:sld xmlns:a="http://schemas.openxmlformats.org/drawingml/2006/main" xmlns:r="http://schemas.openxmlformats.org/officeDocument/2006/relationships" xmlns:p="http://schemas.openxmlformats.org/presentationml/2006/main">
+  <p:cSld>
+    <p:spTree>
+      <p:nvGrpSpPr>
+        <p:cNvPr id="1" name=""/>
+        <p:cNvGrpSpPr/>
+        <p:nvPr/>
+      </p:nvGrpSpPr>
+      <p:grpSpPr>
+        <a:xfrm>
+          <a:off x="0" y="0"/>
+          <a:ext cx="0" cy="0"/>
+          <a:chOff x="0" y="0"/>
+          <a:chExt cx="0" cy="0"/>
+        </a:xfrm>
+      </p:grpSpPr>
+    </p:spTree>
+    <p:extLst>
+      <p:ext uri="{BB962C8B-B14F-4D97-AF65-F5344CB8AC3E}">
+        <p14:creationId xmlns:p14="http://schemas.microsoft.com/office/powerpoint/2010/main" val="2282119341"/>
+      </p:ext>
+    </p:extLst>
+  </p:cSld>
+  <p:clrMapOvr>
+    <a:masterClrMapping/>
+  </p:clrMapOvr>
+</p:sld>
+</file>
+
+<file path=ppt/slides/slide26.xml><?xml version="1.0" encoding="utf-8"?>
+<p:sld xmlns:a="http://schemas.openxmlformats.org/drawingml/2006/main" xmlns:r="http://schemas.openxmlformats.org/officeDocument/2006/relationships" xmlns:p="http://schemas.openxmlformats.org/presentationml/2006/main">
+  <p:cSld>
+    <p:spTree>
+      <p:nvGrpSpPr>
+        <p:cNvPr id="1" name=""/>
+        <p:cNvGrpSpPr/>
+        <p:nvPr/>
+      </p:nvGrpSpPr>
+      <p:grpSpPr>
+        <a:xfrm>
+          <a:off x="0" y="0"/>
+          <a:ext cx="0" cy="0"/>
+          <a:chOff x="0" y="0"/>
+          <a:chExt cx="0" cy="0"/>
+        </a:xfrm>
+      </p:grpSpPr>
+      <p:sp>
+        <p:nvSpPr>
           <p:cNvPr id="2" name="Title 1"/>
           <p:cNvSpPr>
             <a:spLocks noGrp="1"/>
@@ -17740,7 +20446,37 @@
     </p:spTree>
     <p:extLst>
       <p:ext uri="{BB962C8B-B14F-4D97-AF65-F5344CB8AC3E}">
-        <p14:creationId xmlns:p14="http://schemas.microsoft.com/office/powerpoint/2010/main" val="3223169426"/>
+        <p14:creationId xmlns:p14="http://schemas.microsoft.com/office/powerpoint/2010/main" val="3502089681"/>
+      </p:ext>
+    </p:extLst>
+  </p:cSld>
+  <p:clrMapOvr>
+    <a:masterClrMapping/>
+  </p:clrMapOvr>
+</p:sld>
+</file>
+
+<file path=ppt/slides/slide27.xml><?xml version="1.0" encoding="utf-8"?>
+<p:sld xmlns:a="http://schemas.openxmlformats.org/drawingml/2006/main" xmlns:r="http://schemas.openxmlformats.org/officeDocument/2006/relationships" xmlns:p="http://schemas.openxmlformats.org/presentationml/2006/main">
+  <p:cSld>
+    <p:spTree>
+      <p:nvGrpSpPr>
+        <p:cNvPr id="1" name=""/>
+        <p:cNvGrpSpPr/>
+        <p:nvPr/>
+      </p:nvGrpSpPr>
+      <p:grpSpPr>
+        <a:xfrm>
+          <a:off x="0" y="0"/>
+          <a:ext cx="0" cy="0"/>
+          <a:chOff x="0" y="0"/>
+          <a:chExt cx="0" cy="0"/>
+        </a:xfrm>
+      </p:grpSpPr>
+    </p:spTree>
+    <p:extLst>
+      <p:ext uri="{BB962C8B-B14F-4D97-AF65-F5344CB8AC3E}">
+        <p14:creationId xmlns:p14="http://schemas.microsoft.com/office/powerpoint/2010/main" val="3946628096"/>
       </p:ext>
     </p:extLst>
   </p:cSld>
@@ -18886,7 +21622,7 @@
           <a:graphicData uri="http://schemas.openxmlformats.org/presentationml/2006/ole">
             <mc:AlternateContent xmlns:mc="http://schemas.openxmlformats.org/markup-compatibility/2006">
               <mc:Choice xmlns:v="urn:schemas-microsoft-com:vml" Requires="v">
-                <p:oleObj spid="_x0000_s1031" name="Visio" r:id="rId3" imgW="5310655" imgH="4153448" progId="Visio.Drawing.6">
+                <p:oleObj spid="_x0000_s1042" name="Visio" r:id="rId3" imgW="5310655" imgH="4153448" progId="Visio.Drawing.6">
                   <p:embed/>
                 </p:oleObj>
               </mc:Choice>
